--- a/Final.pptx
+++ b/Final.pptx
@@ -7,7 +7,23 @@
   <p:sldIdLst>
     <p:sldId id="256" r:id="rId2"/>
     <p:sldId id="267" r:id="rId3"/>
-    <p:sldId id="268" r:id="rId4"/>
+    <p:sldId id="271" r:id="rId4"/>
+    <p:sldId id="269" r:id="rId5"/>
+    <p:sldId id="279" r:id="rId6"/>
+    <p:sldId id="280" r:id="rId7"/>
+    <p:sldId id="281" r:id="rId8"/>
+    <p:sldId id="272" r:id="rId9"/>
+    <p:sldId id="273" r:id="rId10"/>
+    <p:sldId id="277" r:id="rId11"/>
+    <p:sldId id="275" r:id="rId12"/>
+    <p:sldId id="284" r:id="rId13"/>
+    <p:sldId id="285" r:id="rId14"/>
+    <p:sldId id="282" r:id="rId15"/>
+    <p:sldId id="286" r:id="rId16"/>
+    <p:sldId id="287" r:id="rId17"/>
+    <p:sldId id="288" r:id="rId18"/>
+    <p:sldId id="283" r:id="rId19"/>
+    <p:sldId id="268" r:id="rId20"/>
   </p:sldIdLst>
   <p:sldSz cx="12192000" cy="6858000"/>
   <p:notesSz cx="6858000" cy="9144000"/>
@@ -114,14 +130,6 @@
 </p:presentation>
 </file>
 
-<file path=ppt/revisionInfo.xml><?xml version="1.0" encoding="utf-8"?>
-<p1510:revInfo xmlns:a="http://schemas.openxmlformats.org/drawingml/2006/main" xmlns:r="http://schemas.openxmlformats.org/officeDocument/2006/relationships" xmlns:p1510="http://schemas.microsoft.com/office/powerpoint/2015/10/main">
-  <p1510:revLst>
-    <p1510:client id="{36E0061F-BFDE-7175-2EDA-F472504290F4}" v="789" dt="2020-12-24T05:43:13.363"/>
-  </p1510:revLst>
-</p1510:revInfo>
-</file>
-
 <file path=ppt/slideLayouts/slideLayout1.xml><?xml version="1.0" encoding="utf-8"?>
 <p:sldLayout xmlns:a="http://schemas.openxmlformats.org/drawingml/2006/main" xmlns:r="http://schemas.openxmlformats.org/officeDocument/2006/relationships" xmlns:p="http://schemas.openxmlformats.org/presentationml/2006/main" type="title" preserve="1">
   <p:cSld name="Title Slide">
@@ -251,7 +259,7 @@
           <a:p>
             <a:fld id="{C764DE79-268F-4C1A-8933-263129D2AF90}" type="datetimeFigureOut">
               <a:rPr lang="en-US" dirty="0"/>
-              <a:t>9/5/2023</a:t>
+              <a:t>9/6/2023</a:t>
             </a:fld>
             <a:endParaRPr lang="en-US"/>
           </a:p>
@@ -419,7 +427,7 @@
           <a:p>
             <a:fld id="{C764DE79-268F-4C1A-8933-263129D2AF90}" type="datetimeFigureOut">
               <a:rPr lang="en-US" dirty="0"/>
-              <a:t>9/5/2023</a:t>
+              <a:t>9/6/2023</a:t>
             </a:fld>
             <a:endParaRPr lang="en-US"/>
           </a:p>
@@ -597,7 +605,7 @@
           <a:p>
             <a:fld id="{C764DE79-268F-4C1A-8933-263129D2AF90}" type="datetimeFigureOut">
               <a:rPr lang="en-US" dirty="0"/>
-              <a:t>9/5/2023</a:t>
+              <a:t>9/6/2023</a:t>
             </a:fld>
             <a:endParaRPr lang="en-US"/>
           </a:p>
@@ -765,7 +773,7 @@
           <a:p>
             <a:fld id="{C764DE79-268F-4C1A-8933-263129D2AF90}" type="datetimeFigureOut">
               <a:rPr lang="en-US" dirty="0"/>
-              <a:t>9/5/2023</a:t>
+              <a:t>9/6/2023</a:t>
             </a:fld>
             <a:endParaRPr lang="en-US"/>
           </a:p>
@@ -1010,7 +1018,7 @@
           <a:p>
             <a:fld id="{C764DE79-268F-4C1A-8933-263129D2AF90}" type="datetimeFigureOut">
               <a:rPr lang="en-US" dirty="0"/>
-              <a:t>9/5/2023</a:t>
+              <a:t>9/6/2023</a:t>
             </a:fld>
             <a:endParaRPr lang="en-US"/>
           </a:p>
@@ -1239,7 +1247,7 @@
           <a:p>
             <a:fld id="{C764DE79-268F-4C1A-8933-263129D2AF90}" type="datetimeFigureOut">
               <a:rPr lang="en-US" dirty="0"/>
-              <a:t>9/5/2023</a:t>
+              <a:t>9/6/2023</a:t>
             </a:fld>
             <a:endParaRPr lang="en-US"/>
           </a:p>
@@ -1603,7 +1611,7 @@
           <a:p>
             <a:fld id="{C764DE79-268F-4C1A-8933-263129D2AF90}" type="datetimeFigureOut">
               <a:rPr lang="en-US" dirty="0"/>
-              <a:t>9/5/2023</a:t>
+              <a:t>9/6/2023</a:t>
             </a:fld>
             <a:endParaRPr lang="en-US"/>
           </a:p>
@@ -1720,7 +1728,7 @@
           <a:p>
             <a:fld id="{C764DE79-268F-4C1A-8933-263129D2AF90}" type="datetimeFigureOut">
               <a:rPr lang="en-US" dirty="0"/>
-              <a:t>9/5/2023</a:t>
+              <a:t>9/6/2023</a:t>
             </a:fld>
             <a:endParaRPr lang="en-US"/>
           </a:p>
@@ -1815,7 +1823,7 @@
           <a:p>
             <a:fld id="{C764DE79-268F-4C1A-8933-263129D2AF90}" type="datetimeFigureOut">
               <a:rPr lang="en-US" dirty="0"/>
-              <a:t>9/5/2023</a:t>
+              <a:t>9/6/2023</a:t>
             </a:fld>
             <a:endParaRPr lang="en-US"/>
           </a:p>
@@ -2090,7 +2098,7 @@
           <a:p>
             <a:fld id="{C764DE79-268F-4C1A-8933-263129D2AF90}" type="datetimeFigureOut">
               <a:rPr lang="en-US" dirty="0"/>
-              <a:t>9/5/2023</a:t>
+              <a:t>9/6/2023</a:t>
             </a:fld>
             <a:endParaRPr lang="en-US"/>
           </a:p>
@@ -2345,7 +2353,7 @@
           <a:p>
             <a:fld id="{C764DE79-268F-4C1A-8933-263129D2AF90}" type="datetimeFigureOut">
               <a:rPr lang="en-US" dirty="0"/>
-              <a:t>9/5/2023</a:t>
+              <a:t>9/6/2023</a:t>
             </a:fld>
             <a:endParaRPr lang="en-US"/>
           </a:p>
@@ -2556,7 +2564,7 @@
           <a:p>
             <a:fld id="{C764DE79-268F-4C1A-8933-263129D2AF90}" type="datetimeFigureOut">
               <a:rPr lang="en-US" dirty="0"/>
-              <a:t>9/5/2023</a:t>
+              <a:t>9/6/2023</a:t>
             </a:fld>
             <a:endParaRPr lang="en-US"/>
           </a:p>
@@ -3020,7 +3028,7 @@
         <p:spPr>
           <a:xfrm>
             <a:off x="870857" y="2380343"/>
-            <a:ext cx="8873711" cy="2769989"/>
+            <a:ext cx="8024826" cy="2862322"/>
           </a:xfrm>
           <a:prstGeom prst="rect">
             <a:avLst/>
@@ -3041,22 +3049,28 @@
                   <a:srgbClr val="FF6600"/>
                 </a:solidFill>
               </a:rPr>
-              <a:t>Exploratory Data Analysis</a:t>
+              <a:t>Hate Speech Detection</a:t>
             </a:r>
           </a:p>
           <a:p>
             <a:r>
               <a:rPr lang="en-US" sz="4000" dirty="0"/>
-              <a:t>&lt;Project name&gt;</a:t>
-            </a:r>
-          </a:p>
-          <a:p>
-            <a:endParaRPr lang="en-US" sz="4000" dirty="0"/>
+              <a:t>Final Report</a:t>
+            </a:r>
+          </a:p>
+          <a:p>
+            <a:endParaRPr lang="en-US" dirty="0"/>
           </a:p>
           <a:p>
             <a:r>
               <a:rPr lang="en-US" sz="2800" b="1" dirty="0"/>
-              <a:t>&lt;Date&gt;</a:t>
+              <a:t>Faris Chaudhry </a:t>
+            </a:r>
+          </a:p>
+          <a:p>
+            <a:r>
+              <a:rPr lang="en-US" sz="2800" b="1" dirty="0"/>
+              <a:t>09/06/23</a:t>
             </a:r>
           </a:p>
         </p:txBody>
@@ -3065,6 +3079,2629 @@
     <p:extLst>
       <p:ext uri="{BB962C8B-B14F-4D97-AF65-F5344CB8AC3E}">
         <p14:creationId xmlns:p14="http://schemas.microsoft.com/office/powerpoint/2010/main" val="109857222"/>
+      </p:ext>
+    </p:extLst>
+  </p:cSld>
+  <p:clrMapOvr>
+    <a:masterClrMapping/>
+  </p:clrMapOvr>
+</p:sld>
+</file>
+
+<file path=ppt/slides/slide10.xml><?xml version="1.0" encoding="utf-8"?>
+<p:sld xmlns:a="http://schemas.openxmlformats.org/drawingml/2006/main" xmlns:r="http://schemas.openxmlformats.org/officeDocument/2006/relationships" xmlns:p="http://schemas.openxmlformats.org/presentationml/2006/main">
+  <p:cSld>
+    <p:spTree>
+      <p:nvGrpSpPr>
+        <p:cNvPr id="1" name=""/>
+        <p:cNvGrpSpPr/>
+        <p:nvPr/>
+      </p:nvGrpSpPr>
+      <p:grpSpPr>
+        <a:xfrm>
+          <a:off x="0" y="0"/>
+          <a:ext cx="0" cy="0"/>
+          <a:chOff x="0" y="0"/>
+          <a:chExt cx="0" cy="0"/>
+        </a:xfrm>
+      </p:grpSpPr>
+      <p:sp>
+        <p:nvSpPr>
+          <p:cNvPr id="6" name="Title 1">
+            <a:extLst>
+              <a:ext uri="{FF2B5EF4-FFF2-40B4-BE49-F238E27FC236}">
+                <a16:creationId xmlns:a16="http://schemas.microsoft.com/office/drawing/2014/main" id="{8DEBE404-8654-ABEC-F427-CB3B2BB758E7}"/>
+              </a:ext>
+            </a:extLst>
+          </p:cNvPr>
+          <p:cNvSpPr txBox="1">
+            <a:spLocks/>
+          </p:cNvSpPr>
+          <p:nvPr/>
+        </p:nvSpPr>
+        <p:spPr>
+          <a:xfrm rot="5400000">
+            <a:off x="5567492" y="-5567495"/>
+            <a:ext cx="1057013" cy="12192003"/>
+          </a:xfrm>
+          <a:prstGeom prst="rect">
+            <a:avLst/>
+          </a:prstGeom>
+          <a:solidFill>
+            <a:srgbClr val="3B3B3B"/>
+          </a:solidFill>
+        </p:spPr>
+        <p:txBody>
+          <a:bodyPr vert="vert270" lIns="91440" tIns="45720" rIns="91440" bIns="45720" rtlCol="0" anchor="t" anchorCtr="0">
+            <a:normAutofit fontScale="25000" lnSpcReduction="20000"/>
+          </a:bodyPr>
+          <a:lstStyle>
+            <a:lvl1pPr algn="l" defTabSz="914400" rtl="0" eaLnBrk="1" latinLnBrk="0" hangingPunct="1">
+              <a:lnSpc>
+                <a:spcPct val="90000"/>
+              </a:lnSpc>
+              <a:spcBef>
+                <a:spcPct val="0"/>
+              </a:spcBef>
+              <a:buNone/>
+              <a:defRPr sz="4400" kern="1200">
+                <a:solidFill>
+                  <a:schemeClr val="tx1"/>
+                </a:solidFill>
+                <a:latin typeface="+mj-lt"/>
+                <a:ea typeface="+mj-ea"/>
+                <a:cs typeface="+mj-cs"/>
+              </a:defRPr>
+            </a:lvl1pPr>
+          </a:lstStyle>
+          <a:p>
+            <a:br>
+              <a:rPr lang="en-US" dirty="0"/>
+            </a:br>
+            <a:br>
+              <a:rPr lang="en-US" dirty="0"/>
+            </a:br>
+            <a:br>
+              <a:rPr lang="en-US" dirty="0"/>
+            </a:br>
+            <a:r>
+              <a:rPr lang="en-US" dirty="0"/>
+              <a:t>	</a:t>
+            </a:r>
+            <a:r>
+              <a:rPr lang="en-US" sz="17600" dirty="0" err="1">
+                <a:solidFill>
+                  <a:srgbClr val="FF6600"/>
+                </a:solidFill>
+              </a:rPr>
+              <a:t>Textcloud</a:t>
+            </a:r>
+            <a:r>
+              <a:rPr lang="en-US" sz="17600" dirty="0">
+                <a:solidFill>
+                  <a:srgbClr val="FF6600"/>
+                </a:solidFill>
+              </a:rPr>
+              <a:t> of Common Words</a:t>
+            </a:r>
+          </a:p>
+        </p:txBody>
+      </p:sp>
+      <p:pic>
+        <p:nvPicPr>
+          <p:cNvPr id="4" name="Picture 3">
+            <a:extLst>
+              <a:ext uri="{FF2B5EF4-FFF2-40B4-BE49-F238E27FC236}">
+                <a16:creationId xmlns:a16="http://schemas.microsoft.com/office/drawing/2014/main" id="{88B705E2-6685-8C0B-974C-F28A633BFD05}"/>
+              </a:ext>
+            </a:extLst>
+          </p:cNvPr>
+          <p:cNvPicPr>
+            <a:picLocks noChangeAspect="1"/>
+          </p:cNvPicPr>
+          <p:nvPr/>
+        </p:nvPicPr>
+        <p:blipFill>
+          <a:blip r:embed="rId2"/>
+          <a:stretch>
+            <a:fillRect/>
+          </a:stretch>
+        </p:blipFill>
+        <p:spPr>
+          <a:xfrm>
+            <a:off x="557514" y="2040187"/>
+            <a:ext cx="10910238" cy="2777626"/>
+          </a:xfrm>
+          <a:prstGeom prst="rect">
+            <a:avLst/>
+          </a:prstGeom>
+        </p:spPr>
+      </p:pic>
+    </p:spTree>
+    <p:extLst>
+      <p:ext uri="{BB962C8B-B14F-4D97-AF65-F5344CB8AC3E}">
+        <p14:creationId xmlns:p14="http://schemas.microsoft.com/office/powerpoint/2010/main" val="2725487789"/>
+      </p:ext>
+    </p:extLst>
+  </p:cSld>
+  <p:clrMapOvr>
+    <a:masterClrMapping/>
+  </p:clrMapOvr>
+</p:sld>
+</file>
+
+<file path=ppt/slides/slide11.xml><?xml version="1.0" encoding="utf-8"?>
+<p:sld xmlns:a="http://schemas.openxmlformats.org/drawingml/2006/main" xmlns:r="http://schemas.openxmlformats.org/officeDocument/2006/relationships" xmlns:p="http://schemas.openxmlformats.org/presentationml/2006/main">
+  <p:cSld>
+    <p:spTree>
+      <p:nvGrpSpPr>
+        <p:cNvPr id="1" name=""/>
+        <p:cNvGrpSpPr/>
+        <p:nvPr/>
+      </p:nvGrpSpPr>
+      <p:grpSpPr>
+        <a:xfrm>
+          <a:off x="0" y="0"/>
+          <a:ext cx="0" cy="0"/>
+          <a:chOff x="0" y="0"/>
+          <a:chExt cx="0" cy="0"/>
+        </a:xfrm>
+      </p:grpSpPr>
+      <p:sp>
+        <p:nvSpPr>
+          <p:cNvPr id="6" name="Title 1">
+            <a:extLst>
+              <a:ext uri="{FF2B5EF4-FFF2-40B4-BE49-F238E27FC236}">
+                <a16:creationId xmlns:a16="http://schemas.microsoft.com/office/drawing/2014/main" id="{8DEBE404-8654-ABEC-F427-CB3B2BB758E7}"/>
+              </a:ext>
+            </a:extLst>
+          </p:cNvPr>
+          <p:cNvSpPr txBox="1">
+            <a:spLocks/>
+          </p:cNvSpPr>
+          <p:nvPr/>
+        </p:nvSpPr>
+        <p:spPr>
+          <a:xfrm rot="5400000">
+            <a:off x="5567492" y="-5567495"/>
+            <a:ext cx="1057013" cy="12192003"/>
+          </a:xfrm>
+          <a:prstGeom prst="rect">
+            <a:avLst/>
+          </a:prstGeom>
+          <a:solidFill>
+            <a:srgbClr val="3B3B3B"/>
+          </a:solidFill>
+        </p:spPr>
+        <p:txBody>
+          <a:bodyPr vert="vert270" lIns="91440" tIns="45720" rIns="91440" bIns="45720" rtlCol="0" anchor="t" anchorCtr="0">
+            <a:normAutofit fontScale="25000" lnSpcReduction="20000"/>
+          </a:bodyPr>
+          <a:lstStyle>
+            <a:lvl1pPr algn="l" defTabSz="914400" rtl="0" eaLnBrk="1" latinLnBrk="0" hangingPunct="1">
+              <a:lnSpc>
+                <a:spcPct val="90000"/>
+              </a:lnSpc>
+              <a:spcBef>
+                <a:spcPct val="0"/>
+              </a:spcBef>
+              <a:buNone/>
+              <a:defRPr sz="4400" kern="1200">
+                <a:solidFill>
+                  <a:schemeClr val="tx1"/>
+                </a:solidFill>
+                <a:latin typeface="+mj-lt"/>
+                <a:ea typeface="+mj-ea"/>
+                <a:cs typeface="+mj-cs"/>
+              </a:defRPr>
+            </a:lvl1pPr>
+          </a:lstStyle>
+          <a:p>
+            <a:br>
+              <a:rPr lang="en-US" dirty="0"/>
+            </a:br>
+            <a:br>
+              <a:rPr lang="en-US" dirty="0"/>
+            </a:br>
+            <a:br>
+              <a:rPr lang="en-US" dirty="0"/>
+            </a:br>
+            <a:r>
+              <a:rPr lang="en-US" dirty="0"/>
+              <a:t>	</a:t>
+            </a:r>
+            <a:r>
+              <a:rPr lang="en-US" sz="17600" dirty="0">
+                <a:solidFill>
+                  <a:srgbClr val="FF6600"/>
+                </a:solidFill>
+              </a:rPr>
+              <a:t>Models Foreword</a:t>
+            </a:r>
+          </a:p>
+        </p:txBody>
+      </p:sp>
+      <p:sp>
+        <p:nvSpPr>
+          <p:cNvPr id="7" name="TextBox 6">
+            <a:extLst>
+              <a:ext uri="{FF2B5EF4-FFF2-40B4-BE49-F238E27FC236}">
+                <a16:creationId xmlns:a16="http://schemas.microsoft.com/office/drawing/2014/main" id="{DBECFE06-BBFF-69BE-01F2-7C1FD7A7E46F}"/>
+              </a:ext>
+            </a:extLst>
+          </p:cNvPr>
+          <p:cNvSpPr txBox="1"/>
+          <p:nvPr/>
+        </p:nvSpPr>
+        <p:spPr>
+          <a:xfrm>
+            <a:off x="616434" y="1555318"/>
+            <a:ext cx="5293561" cy="3970318"/>
+          </a:xfrm>
+          <a:prstGeom prst="rect">
+            <a:avLst/>
+          </a:prstGeom>
+          <a:noFill/>
+        </p:spPr>
+        <p:txBody>
+          <a:bodyPr wrap="square">
+            <a:spAutoFit/>
+          </a:bodyPr>
+          <a:lstStyle/>
+          <a:p>
+            <a:pPr algn="l"/>
+            <a:r>
+              <a:rPr lang="en-US" dirty="0"/>
+              <a:t>We must choose whether we wish to minimizes false negatives (stricter model) or false positives more (more lenient model). </a:t>
+            </a:r>
+          </a:p>
+          <a:p>
+            <a:pPr algn="l"/>
+            <a:endParaRPr lang="en-US" dirty="0"/>
+          </a:p>
+          <a:p>
+            <a:pPr marL="285750" indent="-285750" algn="l">
+              <a:buFont typeface="Arial" panose="020B0604020202020204" pitchFamily="34" charset="0"/>
+              <a:buChar char="•"/>
+            </a:pPr>
+            <a:r>
+              <a:rPr lang="en-US" dirty="0"/>
+              <a:t>Users don’t want their content to be flagged when it’s not hate speech.</a:t>
+            </a:r>
+          </a:p>
+          <a:p>
+            <a:pPr marL="285750" indent="-285750" algn="l">
+              <a:buFont typeface="Arial" panose="020B0604020202020204" pitchFamily="34" charset="0"/>
+              <a:buChar char="•"/>
+            </a:pPr>
+            <a:r>
+              <a:rPr lang="en-US" dirty="0"/>
+              <a:t>Advertisers don’t want hate speech at all; if we miss it then this erodes their confidence in us.</a:t>
+            </a:r>
+          </a:p>
+          <a:p>
+            <a:pPr marL="285750" indent="-285750" algn="l">
+              <a:buFont typeface="Arial" panose="020B0604020202020204" pitchFamily="34" charset="0"/>
+              <a:buChar char="•"/>
+            </a:pPr>
+            <a:r>
+              <a:rPr lang="en-US" dirty="0"/>
+              <a:t>Users can flag missed hate speech and it can be manually reviewed</a:t>
+            </a:r>
+          </a:p>
+          <a:p>
+            <a:pPr algn="l"/>
+            <a:endParaRPr lang="en-US" dirty="0"/>
+          </a:p>
+          <a:p>
+            <a:pPr algn="l"/>
+            <a:r>
+              <a:rPr lang="en-US" dirty="0"/>
+              <a:t>This must be decided by stakeholders, so we primarily use F1-score, precision, and recall. </a:t>
+            </a:r>
+          </a:p>
+          <a:p>
+            <a:pPr algn="l"/>
+            <a:endParaRPr lang="en-GB" dirty="0"/>
+          </a:p>
+        </p:txBody>
+      </p:sp>
+      <p:pic>
+        <p:nvPicPr>
+          <p:cNvPr id="9" name="Picture 8">
+            <a:extLst>
+              <a:ext uri="{FF2B5EF4-FFF2-40B4-BE49-F238E27FC236}">
+                <a16:creationId xmlns:a16="http://schemas.microsoft.com/office/drawing/2014/main" id="{8B97921E-85D9-EFA4-647A-15CCD36DE03E}"/>
+              </a:ext>
+            </a:extLst>
+          </p:cNvPr>
+          <p:cNvPicPr>
+            <a:picLocks noChangeAspect="1"/>
+          </p:cNvPicPr>
+          <p:nvPr/>
+        </p:nvPicPr>
+        <p:blipFill>
+          <a:blip r:embed="rId2"/>
+          <a:stretch>
+            <a:fillRect/>
+          </a:stretch>
+        </p:blipFill>
+        <p:spPr>
+          <a:xfrm>
+            <a:off x="6775318" y="1555318"/>
+            <a:ext cx="4800248" cy="3231085"/>
+          </a:xfrm>
+          <a:prstGeom prst="rect">
+            <a:avLst/>
+          </a:prstGeom>
+        </p:spPr>
+      </p:pic>
+    </p:spTree>
+    <p:extLst>
+      <p:ext uri="{BB962C8B-B14F-4D97-AF65-F5344CB8AC3E}">
+        <p14:creationId xmlns:p14="http://schemas.microsoft.com/office/powerpoint/2010/main" val="1616028836"/>
+      </p:ext>
+    </p:extLst>
+  </p:cSld>
+  <p:clrMapOvr>
+    <a:masterClrMapping/>
+  </p:clrMapOvr>
+</p:sld>
+</file>
+
+<file path=ppt/slides/slide12.xml><?xml version="1.0" encoding="utf-8"?>
+<p:sld xmlns:a="http://schemas.openxmlformats.org/drawingml/2006/main" xmlns:r="http://schemas.openxmlformats.org/officeDocument/2006/relationships" xmlns:p="http://schemas.openxmlformats.org/presentationml/2006/main">
+  <p:cSld>
+    <p:spTree>
+      <p:nvGrpSpPr>
+        <p:cNvPr id="1" name=""/>
+        <p:cNvGrpSpPr/>
+        <p:nvPr/>
+      </p:nvGrpSpPr>
+      <p:grpSpPr>
+        <a:xfrm>
+          <a:off x="0" y="0"/>
+          <a:ext cx="0" cy="0"/>
+          <a:chOff x="0" y="0"/>
+          <a:chExt cx="0" cy="0"/>
+        </a:xfrm>
+      </p:grpSpPr>
+      <p:sp>
+        <p:nvSpPr>
+          <p:cNvPr id="6" name="Title 1">
+            <a:extLst>
+              <a:ext uri="{FF2B5EF4-FFF2-40B4-BE49-F238E27FC236}">
+                <a16:creationId xmlns:a16="http://schemas.microsoft.com/office/drawing/2014/main" id="{8DEBE404-8654-ABEC-F427-CB3B2BB758E7}"/>
+              </a:ext>
+            </a:extLst>
+          </p:cNvPr>
+          <p:cNvSpPr txBox="1">
+            <a:spLocks/>
+          </p:cNvSpPr>
+          <p:nvPr/>
+        </p:nvSpPr>
+        <p:spPr>
+          <a:xfrm rot="5400000">
+            <a:off x="5567492" y="-5567495"/>
+            <a:ext cx="1057013" cy="12192003"/>
+          </a:xfrm>
+          <a:prstGeom prst="rect">
+            <a:avLst/>
+          </a:prstGeom>
+          <a:solidFill>
+            <a:srgbClr val="3B3B3B"/>
+          </a:solidFill>
+        </p:spPr>
+        <p:txBody>
+          <a:bodyPr vert="vert270" lIns="91440" tIns="45720" rIns="91440" bIns="45720" rtlCol="0" anchor="t" anchorCtr="0">
+            <a:normAutofit fontScale="25000" lnSpcReduction="20000"/>
+          </a:bodyPr>
+          <a:lstStyle>
+            <a:lvl1pPr algn="l" defTabSz="914400" rtl="0" eaLnBrk="1" latinLnBrk="0" hangingPunct="1">
+              <a:lnSpc>
+                <a:spcPct val="90000"/>
+              </a:lnSpc>
+              <a:spcBef>
+                <a:spcPct val="0"/>
+              </a:spcBef>
+              <a:buNone/>
+              <a:defRPr sz="4400" kern="1200">
+                <a:solidFill>
+                  <a:schemeClr val="tx1"/>
+                </a:solidFill>
+                <a:latin typeface="+mj-lt"/>
+                <a:ea typeface="+mj-ea"/>
+                <a:cs typeface="+mj-cs"/>
+              </a:defRPr>
+            </a:lvl1pPr>
+          </a:lstStyle>
+          <a:p>
+            <a:br>
+              <a:rPr lang="en-US" dirty="0"/>
+            </a:br>
+            <a:br>
+              <a:rPr lang="en-US" dirty="0"/>
+            </a:br>
+            <a:br>
+              <a:rPr lang="en-US" dirty="0"/>
+            </a:br>
+            <a:r>
+              <a:rPr lang="en-US" dirty="0"/>
+              <a:t>	</a:t>
+            </a:r>
+            <a:r>
+              <a:rPr lang="en-US" sz="17600" dirty="0">
+                <a:solidFill>
+                  <a:srgbClr val="FF6600"/>
+                </a:solidFill>
+              </a:rPr>
+              <a:t>K-Nearest Neighbor (KNN)</a:t>
+            </a:r>
+          </a:p>
+        </p:txBody>
+      </p:sp>
+      <p:pic>
+        <p:nvPicPr>
+          <p:cNvPr id="3" name="Picture 2">
+            <a:extLst>
+              <a:ext uri="{FF2B5EF4-FFF2-40B4-BE49-F238E27FC236}">
+                <a16:creationId xmlns:a16="http://schemas.microsoft.com/office/drawing/2014/main" id="{29319E14-A49B-CAAA-A580-11CF68F67A41}"/>
+              </a:ext>
+            </a:extLst>
+          </p:cNvPr>
+          <p:cNvPicPr>
+            <a:picLocks noChangeAspect="1"/>
+          </p:cNvPicPr>
+          <p:nvPr/>
+        </p:nvPicPr>
+        <p:blipFill>
+          <a:blip r:embed="rId2"/>
+          <a:stretch>
+            <a:fillRect/>
+          </a:stretch>
+        </p:blipFill>
+        <p:spPr>
+          <a:xfrm>
+            <a:off x="7172587" y="1312039"/>
+            <a:ext cx="5233883" cy="1456950"/>
+          </a:xfrm>
+          <a:prstGeom prst="rect">
+            <a:avLst/>
+          </a:prstGeom>
+        </p:spPr>
+      </p:pic>
+      <p:sp>
+        <p:nvSpPr>
+          <p:cNvPr id="5" name="TextBox 4">
+            <a:extLst>
+              <a:ext uri="{FF2B5EF4-FFF2-40B4-BE49-F238E27FC236}">
+                <a16:creationId xmlns:a16="http://schemas.microsoft.com/office/drawing/2014/main" id="{3291B14F-0742-B784-338B-F7DE2CD6F7B3}"/>
+              </a:ext>
+            </a:extLst>
+          </p:cNvPr>
+          <p:cNvSpPr txBox="1"/>
+          <p:nvPr/>
+        </p:nvSpPr>
+        <p:spPr>
+          <a:xfrm>
+            <a:off x="373153" y="1312039"/>
+            <a:ext cx="6547764" cy="2862322"/>
+          </a:xfrm>
+          <a:prstGeom prst="rect">
+            <a:avLst/>
+          </a:prstGeom>
+          <a:noFill/>
+        </p:spPr>
+        <p:txBody>
+          <a:bodyPr wrap="square">
+            <a:spAutoFit/>
+          </a:bodyPr>
+          <a:lstStyle/>
+          <a:p>
+            <a:pPr algn="l"/>
+            <a:r>
+              <a:rPr lang="en-US" dirty="0">
+                <a:solidFill>
+                  <a:srgbClr val="000000"/>
+                </a:solidFill>
+                <a:latin typeface="Calibri" panose="020F0502020204030204" pitchFamily="34" charset="0"/>
+              </a:rPr>
+              <a:t>Hyperparameters</a:t>
+            </a:r>
+          </a:p>
+          <a:p>
+            <a:pPr marL="285750" indent="-285750" algn="l">
+              <a:buFont typeface="Arial" panose="020B0604020202020204" pitchFamily="34" charset="0"/>
+              <a:buChar char="•"/>
+            </a:pPr>
+            <a:r>
+              <a:rPr lang="en-US" dirty="0" err="1">
+                <a:solidFill>
+                  <a:srgbClr val="000000"/>
+                </a:solidFill>
+                <a:latin typeface="Calibri" panose="020F0502020204030204" pitchFamily="34" charset="0"/>
+              </a:rPr>
+              <a:t>n_neighbours</a:t>
+            </a:r>
+            <a:r>
+              <a:rPr lang="en-US" dirty="0">
+                <a:solidFill>
+                  <a:srgbClr val="000000"/>
+                </a:solidFill>
+                <a:latin typeface="Calibri" panose="020F0502020204030204" pitchFamily="34" charset="0"/>
+              </a:rPr>
+              <a:t>=1: any higher n was reducing the F-1 score.</a:t>
+            </a:r>
+          </a:p>
+          <a:p>
+            <a:pPr marL="285750" indent="-285750" algn="l">
+              <a:buFont typeface="Arial" panose="020B0604020202020204" pitchFamily="34" charset="0"/>
+              <a:buChar char="•"/>
+            </a:pPr>
+            <a:r>
+              <a:rPr lang="en-US" dirty="0">
+                <a:solidFill>
+                  <a:srgbClr val="000000"/>
+                </a:solidFill>
+                <a:latin typeface="Calibri" panose="020F0502020204030204" pitchFamily="34" charset="0"/>
+              </a:rPr>
+              <a:t>weights=‘distance’: can be uniform or distance. Using distance makes weights inversely proportional to the distance.</a:t>
+            </a:r>
+          </a:p>
+          <a:p>
+            <a:pPr marL="285750" indent="-285750" algn="l">
+              <a:buFont typeface="Arial" panose="020B0604020202020204" pitchFamily="34" charset="0"/>
+              <a:buChar char="•"/>
+            </a:pPr>
+            <a:r>
+              <a:rPr lang="en-US" dirty="0" err="1">
+                <a:solidFill>
+                  <a:srgbClr val="000000"/>
+                </a:solidFill>
+                <a:latin typeface="Calibri" panose="020F0502020204030204" pitchFamily="34" charset="0"/>
+              </a:rPr>
+              <a:t>leaf_size</a:t>
+            </a:r>
+            <a:r>
+              <a:rPr lang="en-US" dirty="0">
+                <a:solidFill>
+                  <a:srgbClr val="000000"/>
+                </a:solidFill>
+                <a:latin typeface="Calibri" panose="020F0502020204030204" pitchFamily="34" charset="0"/>
+              </a:rPr>
+              <a:t>=30: default</a:t>
+            </a:r>
+          </a:p>
+          <a:p>
+            <a:pPr marL="285750" indent="-285750" algn="l">
+              <a:buFont typeface="Arial" panose="020B0604020202020204" pitchFamily="34" charset="0"/>
+              <a:buChar char="•"/>
+            </a:pPr>
+            <a:r>
+              <a:rPr lang="en-US" dirty="0">
+                <a:solidFill>
+                  <a:srgbClr val="000000"/>
+                </a:solidFill>
+                <a:latin typeface="Calibri" panose="020F0502020204030204" pitchFamily="34" charset="0"/>
+              </a:rPr>
+              <a:t>p=1: uses l1 norm (max) for distance rather than Euclidian distance.</a:t>
+            </a:r>
+          </a:p>
+          <a:p>
+            <a:pPr marL="285750" indent="-285750" algn="l">
+              <a:buFont typeface="Arial" panose="020B0604020202020204" pitchFamily="34" charset="0"/>
+              <a:buChar char="•"/>
+            </a:pPr>
+            <a:endParaRPr lang="en-US" dirty="0">
+              <a:solidFill>
+                <a:srgbClr val="000000"/>
+              </a:solidFill>
+              <a:latin typeface="Calibri" panose="020F0502020204030204" pitchFamily="34" charset="0"/>
+            </a:endParaRPr>
+          </a:p>
+          <a:p>
+            <a:pPr algn="l"/>
+            <a:r>
+              <a:rPr lang="en-US" dirty="0">
+                <a:solidFill>
+                  <a:srgbClr val="000000"/>
+                </a:solidFill>
+                <a:latin typeface="Calibri" panose="020F0502020204030204" pitchFamily="34" charset="0"/>
+              </a:rPr>
+              <a:t>Model can’t be graphed since it uses 7 features plus the TF-IDF transformer. </a:t>
+            </a:r>
+          </a:p>
+        </p:txBody>
+      </p:sp>
+      <p:pic>
+        <p:nvPicPr>
+          <p:cNvPr id="4100" name="Picture 4">
+            <a:extLst>
+              <a:ext uri="{FF2B5EF4-FFF2-40B4-BE49-F238E27FC236}">
+                <a16:creationId xmlns:a16="http://schemas.microsoft.com/office/drawing/2014/main" id="{8FD82D55-1330-FD4F-7355-30F2AB3F14D3}"/>
+              </a:ext>
+            </a:extLst>
+          </p:cNvPr>
+          <p:cNvPicPr>
+            <a:picLocks noChangeAspect="1" noChangeArrowheads="1"/>
+          </p:cNvPicPr>
+          <p:nvPr/>
+        </p:nvPicPr>
+        <p:blipFill>
+          <a:blip r:embed="rId3">
+            <a:extLst>
+              <a:ext uri="{28A0092B-C50C-407E-A947-70E740481C1C}">
+                <a14:useLocalDpi xmlns:a14="http://schemas.microsoft.com/office/drawing/2010/main" val="0"/>
+              </a:ext>
+            </a:extLst>
+          </a:blip>
+          <a:srcRect/>
+          <a:stretch>
+            <a:fillRect/>
+          </a:stretch>
+        </p:blipFill>
+        <p:spPr bwMode="auto">
+          <a:xfrm>
+            <a:off x="7113648" y="3299016"/>
+            <a:ext cx="3254740" cy="2855148"/>
+          </a:xfrm>
+          <a:prstGeom prst="rect">
+            <a:avLst/>
+          </a:prstGeom>
+          <a:noFill/>
+          <a:extLst>
+            <a:ext uri="{909E8E84-426E-40DD-AFC4-6F175D3DCCD1}">
+              <a14:hiddenFill xmlns:a14="http://schemas.microsoft.com/office/drawing/2010/main">
+                <a:solidFill>
+                  <a:srgbClr val="FFFFFF"/>
+                </a:solidFill>
+              </a14:hiddenFill>
+            </a:ext>
+          </a:extLst>
+        </p:spPr>
+      </p:pic>
+    </p:spTree>
+    <p:extLst>
+      <p:ext uri="{BB962C8B-B14F-4D97-AF65-F5344CB8AC3E}">
+        <p14:creationId xmlns:p14="http://schemas.microsoft.com/office/powerpoint/2010/main" val="2628961399"/>
+      </p:ext>
+    </p:extLst>
+  </p:cSld>
+  <p:clrMapOvr>
+    <a:masterClrMapping/>
+  </p:clrMapOvr>
+</p:sld>
+</file>
+
+<file path=ppt/slides/slide13.xml><?xml version="1.0" encoding="utf-8"?>
+<p:sld xmlns:a="http://schemas.openxmlformats.org/drawingml/2006/main" xmlns:r="http://schemas.openxmlformats.org/officeDocument/2006/relationships" xmlns:p="http://schemas.openxmlformats.org/presentationml/2006/main">
+  <p:cSld>
+    <p:spTree>
+      <p:nvGrpSpPr>
+        <p:cNvPr id="1" name=""/>
+        <p:cNvGrpSpPr/>
+        <p:nvPr/>
+      </p:nvGrpSpPr>
+      <p:grpSpPr>
+        <a:xfrm>
+          <a:off x="0" y="0"/>
+          <a:ext cx="0" cy="0"/>
+          <a:chOff x="0" y="0"/>
+          <a:chExt cx="0" cy="0"/>
+        </a:xfrm>
+      </p:grpSpPr>
+      <p:sp>
+        <p:nvSpPr>
+          <p:cNvPr id="6" name="Title 1">
+            <a:extLst>
+              <a:ext uri="{FF2B5EF4-FFF2-40B4-BE49-F238E27FC236}">
+                <a16:creationId xmlns:a16="http://schemas.microsoft.com/office/drawing/2014/main" id="{8DEBE404-8654-ABEC-F427-CB3B2BB758E7}"/>
+              </a:ext>
+            </a:extLst>
+          </p:cNvPr>
+          <p:cNvSpPr txBox="1">
+            <a:spLocks/>
+          </p:cNvSpPr>
+          <p:nvPr/>
+        </p:nvSpPr>
+        <p:spPr>
+          <a:xfrm rot="5400000">
+            <a:off x="5567492" y="-5567495"/>
+            <a:ext cx="1057013" cy="12192003"/>
+          </a:xfrm>
+          <a:prstGeom prst="rect">
+            <a:avLst/>
+          </a:prstGeom>
+          <a:solidFill>
+            <a:srgbClr val="3B3B3B"/>
+          </a:solidFill>
+        </p:spPr>
+        <p:txBody>
+          <a:bodyPr vert="vert270" lIns="91440" tIns="45720" rIns="91440" bIns="45720" rtlCol="0" anchor="t" anchorCtr="0">
+            <a:normAutofit fontScale="25000" lnSpcReduction="20000"/>
+          </a:bodyPr>
+          <a:lstStyle>
+            <a:lvl1pPr algn="l" defTabSz="914400" rtl="0" eaLnBrk="1" latinLnBrk="0" hangingPunct="1">
+              <a:lnSpc>
+                <a:spcPct val="90000"/>
+              </a:lnSpc>
+              <a:spcBef>
+                <a:spcPct val="0"/>
+              </a:spcBef>
+              <a:buNone/>
+              <a:defRPr sz="4400" kern="1200">
+                <a:solidFill>
+                  <a:schemeClr val="tx1"/>
+                </a:solidFill>
+                <a:latin typeface="+mj-lt"/>
+                <a:ea typeface="+mj-ea"/>
+                <a:cs typeface="+mj-cs"/>
+              </a:defRPr>
+            </a:lvl1pPr>
+          </a:lstStyle>
+          <a:p>
+            <a:br>
+              <a:rPr lang="en-US" dirty="0"/>
+            </a:br>
+            <a:br>
+              <a:rPr lang="en-US" dirty="0"/>
+            </a:br>
+            <a:br>
+              <a:rPr lang="en-US" dirty="0"/>
+            </a:br>
+            <a:r>
+              <a:rPr lang="en-US" dirty="0"/>
+              <a:t>	</a:t>
+            </a:r>
+            <a:r>
+              <a:rPr lang="en-US" sz="17600" dirty="0">
+                <a:solidFill>
+                  <a:srgbClr val="FF6600"/>
+                </a:solidFill>
+              </a:rPr>
+              <a:t>Decision Tree</a:t>
+            </a:r>
+          </a:p>
+        </p:txBody>
+      </p:sp>
+      <p:pic>
+        <p:nvPicPr>
+          <p:cNvPr id="3" name="Picture 2">
+            <a:extLst>
+              <a:ext uri="{FF2B5EF4-FFF2-40B4-BE49-F238E27FC236}">
+                <a16:creationId xmlns:a16="http://schemas.microsoft.com/office/drawing/2014/main" id="{6DECA8B7-9D28-6192-3CBB-1D2332ACE9B8}"/>
+              </a:ext>
+            </a:extLst>
+          </p:cNvPr>
+          <p:cNvPicPr>
+            <a:picLocks noChangeAspect="1"/>
+          </p:cNvPicPr>
+          <p:nvPr/>
+        </p:nvPicPr>
+        <p:blipFill>
+          <a:blip r:embed="rId2"/>
+          <a:stretch>
+            <a:fillRect/>
+          </a:stretch>
+        </p:blipFill>
+        <p:spPr>
+          <a:xfrm>
+            <a:off x="6378354" y="1365462"/>
+            <a:ext cx="5458587" cy="1543265"/>
+          </a:xfrm>
+          <a:prstGeom prst="rect">
+            <a:avLst/>
+          </a:prstGeom>
+        </p:spPr>
+      </p:pic>
+      <p:pic>
+        <p:nvPicPr>
+          <p:cNvPr id="5" name="Picture 4">
+            <a:extLst>
+              <a:ext uri="{FF2B5EF4-FFF2-40B4-BE49-F238E27FC236}">
+                <a16:creationId xmlns:a16="http://schemas.microsoft.com/office/drawing/2014/main" id="{82E3F84E-DF26-F049-49FF-45213B976D31}"/>
+              </a:ext>
+            </a:extLst>
+          </p:cNvPr>
+          <p:cNvPicPr>
+            <a:picLocks noChangeAspect="1"/>
+          </p:cNvPicPr>
+          <p:nvPr/>
+        </p:nvPicPr>
+        <p:blipFill>
+          <a:blip r:embed="rId3"/>
+          <a:stretch>
+            <a:fillRect/>
+          </a:stretch>
+        </p:blipFill>
+        <p:spPr>
+          <a:xfrm>
+            <a:off x="7044187" y="3217176"/>
+            <a:ext cx="4444431" cy="3313906"/>
+          </a:xfrm>
+          <a:prstGeom prst="rect">
+            <a:avLst/>
+          </a:prstGeom>
+        </p:spPr>
+      </p:pic>
+      <p:sp>
+        <p:nvSpPr>
+          <p:cNvPr id="7" name="TextBox 6">
+            <a:extLst>
+              <a:ext uri="{FF2B5EF4-FFF2-40B4-BE49-F238E27FC236}">
+                <a16:creationId xmlns:a16="http://schemas.microsoft.com/office/drawing/2014/main" id="{6F089777-66A8-319F-CD70-3AC6FD1BDF05}"/>
+              </a:ext>
+            </a:extLst>
+          </p:cNvPr>
+          <p:cNvSpPr txBox="1"/>
+          <p:nvPr/>
+        </p:nvSpPr>
+        <p:spPr>
+          <a:xfrm>
+            <a:off x="373153" y="1312039"/>
+            <a:ext cx="6547764" cy="2031325"/>
+          </a:xfrm>
+          <a:prstGeom prst="rect">
+            <a:avLst/>
+          </a:prstGeom>
+          <a:noFill/>
+        </p:spPr>
+        <p:txBody>
+          <a:bodyPr wrap="square">
+            <a:spAutoFit/>
+          </a:bodyPr>
+          <a:lstStyle/>
+          <a:p>
+            <a:pPr marL="285750" indent="-285750" algn="l">
+              <a:buFont typeface="Arial" panose="020B0604020202020204" pitchFamily="34" charset="0"/>
+              <a:buChar char="•"/>
+            </a:pPr>
+            <a:r>
+              <a:rPr lang="en-US" dirty="0">
+                <a:solidFill>
+                  <a:srgbClr val="000000"/>
+                </a:solidFill>
+                <a:latin typeface="Calibri" panose="020F0502020204030204" pitchFamily="34" charset="0"/>
+              </a:rPr>
+              <a:t>Best model by every metric.</a:t>
+            </a:r>
+          </a:p>
+          <a:p>
+            <a:pPr marL="285750" indent="-285750" algn="l">
+              <a:buFont typeface="Arial" panose="020B0604020202020204" pitchFamily="34" charset="0"/>
+              <a:buChar char="•"/>
+            </a:pPr>
+            <a:r>
+              <a:rPr lang="en-US" dirty="0">
+                <a:solidFill>
+                  <a:srgbClr val="000000"/>
+                </a:solidFill>
+                <a:latin typeface="Calibri" panose="020F0502020204030204" pitchFamily="34" charset="0"/>
+              </a:rPr>
+              <a:t>Especially high recall.</a:t>
+            </a:r>
+          </a:p>
+          <a:p>
+            <a:pPr marL="742950" lvl="1" indent="-285750">
+              <a:buFont typeface="Arial" panose="020B0604020202020204" pitchFamily="34" charset="0"/>
+              <a:buChar char="•"/>
+            </a:pPr>
+            <a:r>
+              <a:rPr lang="en-US" dirty="0">
+                <a:solidFill>
+                  <a:srgbClr val="000000"/>
+                </a:solidFill>
+                <a:latin typeface="Calibri" panose="020F0502020204030204" pitchFamily="34" charset="0"/>
+              </a:rPr>
+              <a:t>Low number of false negatives.</a:t>
+            </a:r>
+          </a:p>
+          <a:p>
+            <a:pPr marL="742950" lvl="1" indent="-285750">
+              <a:buFont typeface="Arial" panose="020B0604020202020204" pitchFamily="34" charset="0"/>
+              <a:buChar char="•"/>
+            </a:pPr>
+            <a:r>
+              <a:rPr lang="en-US" dirty="0">
+                <a:solidFill>
+                  <a:srgbClr val="000000"/>
+                </a:solidFill>
+                <a:latin typeface="Calibri" panose="020F0502020204030204" pitchFamily="34" charset="0"/>
+              </a:rPr>
+              <a:t>Stricter model</a:t>
+            </a:r>
+          </a:p>
+          <a:p>
+            <a:pPr marL="285750" indent="-285750">
+              <a:buFont typeface="Arial" panose="020B0604020202020204" pitchFamily="34" charset="0"/>
+              <a:buChar char="•"/>
+            </a:pPr>
+            <a:r>
+              <a:rPr lang="en-US" dirty="0">
+                <a:solidFill>
+                  <a:srgbClr val="000000"/>
+                </a:solidFill>
+                <a:latin typeface="Calibri" panose="020F0502020204030204" pitchFamily="34" charset="0"/>
+              </a:rPr>
+              <a:t>No max depth specified so the tree is quite complex. </a:t>
+            </a:r>
+          </a:p>
+          <a:p>
+            <a:pPr marL="285750" indent="-285750">
+              <a:buFont typeface="Arial" panose="020B0604020202020204" pitchFamily="34" charset="0"/>
+              <a:buChar char="•"/>
+            </a:pPr>
+            <a:r>
+              <a:rPr lang="en-US" dirty="0" err="1">
+                <a:solidFill>
+                  <a:srgbClr val="000000"/>
+                </a:solidFill>
+                <a:latin typeface="Calibri" panose="020F0502020204030204" pitchFamily="34" charset="0"/>
+              </a:rPr>
+              <a:t>gini</a:t>
+            </a:r>
+            <a:r>
+              <a:rPr lang="en-US" dirty="0">
+                <a:solidFill>
+                  <a:srgbClr val="000000"/>
+                </a:solidFill>
+                <a:latin typeface="Calibri" panose="020F0502020204030204" pitchFamily="34" charset="0"/>
+              </a:rPr>
+              <a:t> was the best criterion.</a:t>
+            </a:r>
+          </a:p>
+          <a:p>
+            <a:pPr marL="742950" lvl="1" indent="-285750">
+              <a:buFont typeface="Arial" panose="020B0604020202020204" pitchFamily="34" charset="0"/>
+              <a:buChar char="•"/>
+            </a:pPr>
+            <a:r>
+              <a:rPr lang="en-US" dirty="0" err="1">
+                <a:solidFill>
+                  <a:srgbClr val="000000"/>
+                </a:solidFill>
+                <a:latin typeface="Calibri" panose="020F0502020204030204" pitchFamily="34" charset="0"/>
+              </a:rPr>
+              <a:t>log_loss</a:t>
+            </a:r>
+            <a:r>
+              <a:rPr lang="en-US" dirty="0">
+                <a:solidFill>
+                  <a:srgbClr val="000000"/>
+                </a:solidFill>
+                <a:latin typeface="Calibri" panose="020F0502020204030204" pitchFamily="34" charset="0"/>
+              </a:rPr>
+              <a:t> and entropy were also tried.</a:t>
+            </a:r>
+          </a:p>
+        </p:txBody>
+      </p:sp>
+    </p:spTree>
+    <p:extLst>
+      <p:ext uri="{BB962C8B-B14F-4D97-AF65-F5344CB8AC3E}">
+        <p14:creationId xmlns:p14="http://schemas.microsoft.com/office/powerpoint/2010/main" val="1065032132"/>
+      </p:ext>
+    </p:extLst>
+  </p:cSld>
+  <p:clrMapOvr>
+    <a:masterClrMapping/>
+  </p:clrMapOvr>
+</p:sld>
+</file>
+
+<file path=ppt/slides/slide14.xml><?xml version="1.0" encoding="utf-8"?>
+<p:sld xmlns:a="http://schemas.openxmlformats.org/drawingml/2006/main" xmlns:r="http://schemas.openxmlformats.org/officeDocument/2006/relationships" xmlns:p="http://schemas.openxmlformats.org/presentationml/2006/main">
+  <p:cSld>
+    <p:spTree>
+      <p:nvGrpSpPr>
+        <p:cNvPr id="1" name=""/>
+        <p:cNvGrpSpPr/>
+        <p:nvPr/>
+      </p:nvGrpSpPr>
+      <p:grpSpPr>
+        <a:xfrm>
+          <a:off x="0" y="0"/>
+          <a:ext cx="0" cy="0"/>
+          <a:chOff x="0" y="0"/>
+          <a:chExt cx="0" cy="0"/>
+        </a:xfrm>
+      </p:grpSpPr>
+      <p:sp>
+        <p:nvSpPr>
+          <p:cNvPr id="6" name="Title 1">
+            <a:extLst>
+              <a:ext uri="{FF2B5EF4-FFF2-40B4-BE49-F238E27FC236}">
+                <a16:creationId xmlns:a16="http://schemas.microsoft.com/office/drawing/2014/main" id="{8DEBE404-8654-ABEC-F427-CB3B2BB758E7}"/>
+              </a:ext>
+            </a:extLst>
+          </p:cNvPr>
+          <p:cNvSpPr txBox="1">
+            <a:spLocks/>
+          </p:cNvSpPr>
+          <p:nvPr/>
+        </p:nvSpPr>
+        <p:spPr>
+          <a:xfrm rot="5400000">
+            <a:off x="5567492" y="-5567495"/>
+            <a:ext cx="1057013" cy="12192003"/>
+          </a:xfrm>
+          <a:prstGeom prst="rect">
+            <a:avLst/>
+          </a:prstGeom>
+          <a:solidFill>
+            <a:srgbClr val="3B3B3B"/>
+          </a:solidFill>
+        </p:spPr>
+        <p:txBody>
+          <a:bodyPr vert="vert270" lIns="91440" tIns="45720" rIns="91440" bIns="45720" rtlCol="0" anchor="t" anchorCtr="0">
+            <a:normAutofit fontScale="25000" lnSpcReduction="20000"/>
+          </a:bodyPr>
+          <a:lstStyle>
+            <a:lvl1pPr algn="l" defTabSz="914400" rtl="0" eaLnBrk="1" latinLnBrk="0" hangingPunct="1">
+              <a:lnSpc>
+                <a:spcPct val="90000"/>
+              </a:lnSpc>
+              <a:spcBef>
+                <a:spcPct val="0"/>
+              </a:spcBef>
+              <a:buNone/>
+              <a:defRPr sz="4400" kern="1200">
+                <a:solidFill>
+                  <a:schemeClr val="tx1"/>
+                </a:solidFill>
+                <a:latin typeface="+mj-lt"/>
+                <a:ea typeface="+mj-ea"/>
+                <a:cs typeface="+mj-cs"/>
+              </a:defRPr>
+            </a:lvl1pPr>
+          </a:lstStyle>
+          <a:p>
+            <a:br>
+              <a:rPr lang="en-US" dirty="0"/>
+            </a:br>
+            <a:br>
+              <a:rPr lang="en-US" dirty="0"/>
+            </a:br>
+            <a:br>
+              <a:rPr lang="en-US" dirty="0"/>
+            </a:br>
+            <a:r>
+              <a:rPr lang="en-US" dirty="0"/>
+              <a:t>	</a:t>
+            </a:r>
+            <a:r>
+              <a:rPr lang="en-US" sz="17600" dirty="0">
+                <a:solidFill>
+                  <a:srgbClr val="FF6600"/>
+                </a:solidFill>
+              </a:rPr>
+              <a:t>Logistic Regression</a:t>
+            </a:r>
+          </a:p>
+        </p:txBody>
+      </p:sp>
+      <p:pic>
+        <p:nvPicPr>
+          <p:cNvPr id="3" name="Picture 2">
+            <a:extLst>
+              <a:ext uri="{FF2B5EF4-FFF2-40B4-BE49-F238E27FC236}">
+                <a16:creationId xmlns:a16="http://schemas.microsoft.com/office/drawing/2014/main" id="{AF5AC09B-6AC6-E306-32EB-4BC95A63C17D}"/>
+              </a:ext>
+            </a:extLst>
+          </p:cNvPr>
+          <p:cNvPicPr>
+            <a:picLocks noChangeAspect="1"/>
+          </p:cNvPicPr>
+          <p:nvPr/>
+        </p:nvPicPr>
+        <p:blipFill>
+          <a:blip r:embed="rId2"/>
+          <a:stretch>
+            <a:fillRect/>
+          </a:stretch>
+        </p:blipFill>
+        <p:spPr>
+          <a:xfrm>
+            <a:off x="7097085" y="1310151"/>
+            <a:ext cx="4828935" cy="1345203"/>
+          </a:xfrm>
+          <a:prstGeom prst="rect">
+            <a:avLst/>
+          </a:prstGeom>
+        </p:spPr>
+      </p:pic>
+      <p:sp>
+        <p:nvSpPr>
+          <p:cNvPr id="4" name="TextBox 3">
+            <a:extLst>
+              <a:ext uri="{FF2B5EF4-FFF2-40B4-BE49-F238E27FC236}">
+                <a16:creationId xmlns:a16="http://schemas.microsoft.com/office/drawing/2014/main" id="{6FDAFC7C-2B2E-942E-3FEC-C1B4ED2CBDDE}"/>
+              </a:ext>
+            </a:extLst>
+          </p:cNvPr>
+          <p:cNvSpPr txBox="1"/>
+          <p:nvPr/>
+        </p:nvSpPr>
+        <p:spPr>
+          <a:xfrm>
+            <a:off x="265979" y="1200889"/>
+            <a:ext cx="6547764" cy="2585323"/>
+          </a:xfrm>
+          <a:prstGeom prst="rect">
+            <a:avLst/>
+          </a:prstGeom>
+          <a:noFill/>
+        </p:spPr>
+        <p:txBody>
+          <a:bodyPr wrap="square">
+            <a:spAutoFit/>
+          </a:bodyPr>
+          <a:lstStyle/>
+          <a:p>
+            <a:pPr marL="285750" indent="-285750" algn="l">
+              <a:buFont typeface="Arial" panose="020B0604020202020204" pitchFamily="34" charset="0"/>
+              <a:buChar char="•"/>
+            </a:pPr>
+            <a:r>
+              <a:rPr lang="en-US" dirty="0">
+                <a:solidFill>
+                  <a:srgbClr val="000000"/>
+                </a:solidFill>
+                <a:latin typeface="Calibri" panose="020F0502020204030204" pitchFamily="34" charset="0"/>
+              </a:rPr>
+              <a:t>Bad model overall.</a:t>
+            </a:r>
+          </a:p>
+          <a:p>
+            <a:pPr marL="285750" indent="-285750" algn="l">
+              <a:buFont typeface="Arial" panose="020B0604020202020204" pitchFamily="34" charset="0"/>
+              <a:buChar char="•"/>
+            </a:pPr>
+            <a:r>
+              <a:rPr lang="en-US" dirty="0">
+                <a:solidFill>
+                  <a:srgbClr val="000000"/>
+                </a:solidFill>
+                <a:latin typeface="Calibri" panose="020F0502020204030204" pitchFamily="34" charset="0"/>
+              </a:rPr>
+              <a:t>Could have benefitted from better hyper tuning of parameters.</a:t>
+            </a:r>
+          </a:p>
+          <a:p>
+            <a:pPr marL="742950" lvl="1" indent="-285750">
+              <a:buFont typeface="Arial" panose="020B0604020202020204" pitchFamily="34" charset="0"/>
+              <a:buChar char="•"/>
+            </a:pPr>
+            <a:r>
+              <a:rPr lang="en-US" dirty="0">
+                <a:solidFill>
+                  <a:srgbClr val="000000"/>
+                </a:solidFill>
+                <a:latin typeface="Calibri" panose="020F0502020204030204" pitchFamily="34" charset="0"/>
+              </a:rPr>
+              <a:t>Greater regularization.</a:t>
+            </a:r>
+          </a:p>
+          <a:p>
+            <a:pPr marL="742950" lvl="1" indent="-285750">
+              <a:buFont typeface="Arial" panose="020B0604020202020204" pitchFamily="34" charset="0"/>
+              <a:buChar char="•"/>
+            </a:pPr>
+            <a:r>
+              <a:rPr lang="en-US" dirty="0">
+                <a:solidFill>
+                  <a:srgbClr val="000000"/>
+                </a:solidFill>
+                <a:latin typeface="Calibri" panose="020F0502020204030204" pitchFamily="34" charset="0"/>
+              </a:rPr>
+              <a:t>Change in intercept bias.</a:t>
+            </a:r>
+          </a:p>
+          <a:p>
+            <a:pPr marL="285750" indent="-285750" algn="l">
+              <a:buFont typeface="Arial" panose="020B0604020202020204" pitchFamily="34" charset="0"/>
+              <a:buChar char="•"/>
+            </a:pPr>
+            <a:r>
+              <a:rPr lang="en-US" dirty="0">
+                <a:solidFill>
+                  <a:srgbClr val="000000"/>
+                </a:solidFill>
+                <a:latin typeface="Calibri" panose="020F0502020204030204" pitchFamily="34" charset="0"/>
+              </a:rPr>
+              <a:t>Balanced class weights originally were used because the minority class wasn’t up sampled.</a:t>
+            </a:r>
+          </a:p>
+          <a:p>
+            <a:pPr marL="742950" lvl="1" indent="-285750">
+              <a:buFont typeface="Arial" panose="020B0604020202020204" pitchFamily="34" charset="0"/>
+              <a:buChar char="•"/>
+            </a:pPr>
+            <a:r>
+              <a:rPr lang="en-US" dirty="0">
+                <a:solidFill>
+                  <a:srgbClr val="000000"/>
+                </a:solidFill>
+                <a:latin typeface="Calibri" panose="020F0502020204030204" pitchFamily="34" charset="0"/>
+              </a:rPr>
+              <a:t>After up sampling, this makes very little difference.</a:t>
+            </a:r>
+          </a:p>
+          <a:p>
+            <a:pPr marL="285750" indent="-285750">
+              <a:buFont typeface="Arial" panose="020B0604020202020204" pitchFamily="34" charset="0"/>
+              <a:buChar char="•"/>
+            </a:pPr>
+            <a:r>
+              <a:rPr lang="en-US" dirty="0">
+                <a:solidFill>
+                  <a:srgbClr val="000000"/>
+                </a:solidFill>
+                <a:latin typeface="Calibri" panose="020F0502020204030204" pitchFamily="34" charset="0"/>
+              </a:rPr>
+              <a:t>Random sampling for all models can cause a bit of imbalance between the two classes (negligible if randomly selected).</a:t>
+            </a:r>
+          </a:p>
+        </p:txBody>
+      </p:sp>
+      <p:pic>
+        <p:nvPicPr>
+          <p:cNvPr id="2052" name="Picture 4" descr="Introduction to Logistic Regression | by Ayush Pant | Towards Data Science">
+            <a:extLst>
+              <a:ext uri="{FF2B5EF4-FFF2-40B4-BE49-F238E27FC236}">
+                <a16:creationId xmlns:a16="http://schemas.microsoft.com/office/drawing/2014/main" id="{D84B5E25-2B45-A0A8-184A-FF910C2CE15B}"/>
+              </a:ext>
+            </a:extLst>
+          </p:cNvPr>
+          <p:cNvPicPr>
+            <a:picLocks noChangeAspect="1" noChangeArrowheads="1"/>
+          </p:cNvPicPr>
+          <p:nvPr/>
+        </p:nvPicPr>
+        <p:blipFill>
+          <a:blip r:embed="rId3" cstate="print">
+            <a:extLst>
+              <a:ext uri="{28A0092B-C50C-407E-A947-70E740481C1C}">
+                <a14:useLocalDpi xmlns:a14="http://schemas.microsoft.com/office/drawing/2010/main" val="0"/>
+              </a:ext>
+            </a:extLst>
+          </a:blip>
+          <a:srcRect/>
+          <a:stretch>
+            <a:fillRect/>
+          </a:stretch>
+        </p:blipFill>
+        <p:spPr bwMode="auto">
+          <a:xfrm>
+            <a:off x="6095998" y="4039350"/>
+            <a:ext cx="5738070" cy="2541038"/>
+          </a:xfrm>
+          <a:prstGeom prst="rect">
+            <a:avLst/>
+          </a:prstGeom>
+          <a:noFill/>
+          <a:extLst>
+            <a:ext uri="{909E8E84-426E-40DD-AFC4-6F175D3DCCD1}">
+              <a14:hiddenFill xmlns:a14="http://schemas.microsoft.com/office/drawing/2010/main">
+                <a:solidFill>
+                  <a:srgbClr val="FFFFFF"/>
+                </a:solidFill>
+              </a14:hiddenFill>
+            </a:ext>
+          </a:extLst>
+        </p:spPr>
+      </p:pic>
+    </p:spTree>
+    <p:extLst>
+      <p:ext uri="{BB962C8B-B14F-4D97-AF65-F5344CB8AC3E}">
+        <p14:creationId xmlns:p14="http://schemas.microsoft.com/office/powerpoint/2010/main" val="1972963332"/>
+      </p:ext>
+    </p:extLst>
+  </p:cSld>
+  <p:clrMapOvr>
+    <a:masterClrMapping/>
+  </p:clrMapOvr>
+</p:sld>
+</file>
+
+<file path=ppt/slides/slide15.xml><?xml version="1.0" encoding="utf-8"?>
+<p:sld xmlns:a="http://schemas.openxmlformats.org/drawingml/2006/main" xmlns:r="http://schemas.openxmlformats.org/officeDocument/2006/relationships" xmlns:p="http://schemas.openxmlformats.org/presentationml/2006/main">
+  <p:cSld>
+    <p:spTree>
+      <p:nvGrpSpPr>
+        <p:cNvPr id="1" name=""/>
+        <p:cNvGrpSpPr/>
+        <p:nvPr/>
+      </p:nvGrpSpPr>
+      <p:grpSpPr>
+        <a:xfrm>
+          <a:off x="0" y="0"/>
+          <a:ext cx="0" cy="0"/>
+          <a:chOff x="0" y="0"/>
+          <a:chExt cx="0" cy="0"/>
+        </a:xfrm>
+      </p:grpSpPr>
+      <p:sp>
+        <p:nvSpPr>
+          <p:cNvPr id="6" name="Title 1">
+            <a:extLst>
+              <a:ext uri="{FF2B5EF4-FFF2-40B4-BE49-F238E27FC236}">
+                <a16:creationId xmlns:a16="http://schemas.microsoft.com/office/drawing/2014/main" id="{8DEBE404-8654-ABEC-F427-CB3B2BB758E7}"/>
+              </a:ext>
+            </a:extLst>
+          </p:cNvPr>
+          <p:cNvSpPr txBox="1">
+            <a:spLocks/>
+          </p:cNvSpPr>
+          <p:nvPr/>
+        </p:nvSpPr>
+        <p:spPr>
+          <a:xfrm rot="5400000">
+            <a:off x="5567492" y="-5567495"/>
+            <a:ext cx="1057013" cy="12192003"/>
+          </a:xfrm>
+          <a:prstGeom prst="rect">
+            <a:avLst/>
+          </a:prstGeom>
+          <a:solidFill>
+            <a:srgbClr val="3B3B3B"/>
+          </a:solidFill>
+        </p:spPr>
+        <p:txBody>
+          <a:bodyPr vert="vert270" lIns="91440" tIns="45720" rIns="91440" bIns="45720" rtlCol="0" anchor="t" anchorCtr="0">
+            <a:normAutofit fontScale="25000" lnSpcReduction="20000"/>
+          </a:bodyPr>
+          <a:lstStyle>
+            <a:lvl1pPr algn="l" defTabSz="914400" rtl="0" eaLnBrk="1" latinLnBrk="0" hangingPunct="1">
+              <a:lnSpc>
+                <a:spcPct val="90000"/>
+              </a:lnSpc>
+              <a:spcBef>
+                <a:spcPct val="0"/>
+              </a:spcBef>
+              <a:buNone/>
+              <a:defRPr sz="4400" kern="1200">
+                <a:solidFill>
+                  <a:schemeClr val="tx1"/>
+                </a:solidFill>
+                <a:latin typeface="+mj-lt"/>
+                <a:ea typeface="+mj-ea"/>
+                <a:cs typeface="+mj-cs"/>
+              </a:defRPr>
+            </a:lvl1pPr>
+          </a:lstStyle>
+          <a:p>
+            <a:br>
+              <a:rPr lang="en-US" dirty="0"/>
+            </a:br>
+            <a:br>
+              <a:rPr lang="en-US" dirty="0"/>
+            </a:br>
+            <a:br>
+              <a:rPr lang="en-US" dirty="0"/>
+            </a:br>
+            <a:r>
+              <a:rPr lang="en-US" dirty="0"/>
+              <a:t>	</a:t>
+            </a:r>
+            <a:r>
+              <a:rPr lang="en-US" sz="17600" dirty="0">
+                <a:solidFill>
+                  <a:srgbClr val="FF6600"/>
+                </a:solidFill>
+              </a:rPr>
+              <a:t>Gaussian Naïve Bayes</a:t>
+            </a:r>
+          </a:p>
+        </p:txBody>
+      </p:sp>
+      <p:pic>
+        <p:nvPicPr>
+          <p:cNvPr id="1026" name="Picture 2">
+            <a:extLst>
+              <a:ext uri="{FF2B5EF4-FFF2-40B4-BE49-F238E27FC236}">
+                <a16:creationId xmlns:a16="http://schemas.microsoft.com/office/drawing/2014/main" id="{57660D26-A042-5782-FBF6-ACC1D5B5EC2C}"/>
+              </a:ext>
+            </a:extLst>
+          </p:cNvPr>
+          <p:cNvPicPr>
+            <a:picLocks noChangeAspect="1" noChangeArrowheads="1"/>
+          </p:cNvPicPr>
+          <p:nvPr/>
+        </p:nvPicPr>
+        <p:blipFill>
+          <a:blip r:embed="rId2">
+            <a:extLst>
+              <a:ext uri="{28A0092B-C50C-407E-A947-70E740481C1C}">
+                <a14:useLocalDpi xmlns:a14="http://schemas.microsoft.com/office/drawing/2010/main" val="0"/>
+              </a:ext>
+            </a:extLst>
+          </a:blip>
+          <a:srcRect/>
+          <a:stretch>
+            <a:fillRect/>
+          </a:stretch>
+        </p:blipFill>
+        <p:spPr bwMode="auto">
+          <a:xfrm>
+            <a:off x="6713833" y="1213747"/>
+            <a:ext cx="4645671" cy="1235838"/>
+          </a:xfrm>
+          <a:prstGeom prst="rect">
+            <a:avLst/>
+          </a:prstGeom>
+          <a:noFill/>
+          <a:extLst>
+            <a:ext uri="{909E8E84-426E-40DD-AFC4-6F175D3DCCD1}">
+              <a14:hiddenFill xmlns:a14="http://schemas.microsoft.com/office/drawing/2010/main">
+                <a:solidFill>
+                  <a:srgbClr val="FFFFFF"/>
+                </a:solidFill>
+              </a14:hiddenFill>
+            </a:ext>
+          </a:extLst>
+        </p:spPr>
+      </p:pic>
+      <p:pic>
+        <p:nvPicPr>
+          <p:cNvPr id="1030" name="Picture 6">
+            <a:extLst>
+              <a:ext uri="{FF2B5EF4-FFF2-40B4-BE49-F238E27FC236}">
+                <a16:creationId xmlns:a16="http://schemas.microsoft.com/office/drawing/2014/main" id="{5A08A942-909B-31D2-506D-D95AC9DFB1A1}"/>
+              </a:ext>
+            </a:extLst>
+          </p:cNvPr>
+          <p:cNvPicPr>
+            <a:picLocks noChangeAspect="1" noChangeArrowheads="1"/>
+          </p:cNvPicPr>
+          <p:nvPr/>
+        </p:nvPicPr>
+        <p:blipFill>
+          <a:blip r:embed="rId3">
+            <a:extLst>
+              <a:ext uri="{28A0092B-C50C-407E-A947-70E740481C1C}">
+                <a14:useLocalDpi xmlns:a14="http://schemas.microsoft.com/office/drawing/2010/main" val="0"/>
+              </a:ext>
+            </a:extLst>
+          </a:blip>
+          <a:srcRect/>
+          <a:stretch>
+            <a:fillRect/>
+          </a:stretch>
+        </p:blipFill>
+        <p:spPr bwMode="auto">
+          <a:xfrm>
+            <a:off x="6561152" y="2606319"/>
+            <a:ext cx="4951035" cy="3704539"/>
+          </a:xfrm>
+          <a:prstGeom prst="rect">
+            <a:avLst/>
+          </a:prstGeom>
+          <a:noFill/>
+          <a:extLst>
+            <a:ext uri="{909E8E84-426E-40DD-AFC4-6F175D3DCCD1}">
+              <a14:hiddenFill xmlns:a14="http://schemas.microsoft.com/office/drawing/2010/main">
+                <a:solidFill>
+                  <a:srgbClr val="FFFFFF"/>
+                </a:solidFill>
+              </a14:hiddenFill>
+            </a:ext>
+          </a:extLst>
+        </p:spPr>
+      </p:pic>
+      <p:sp>
+        <p:nvSpPr>
+          <p:cNvPr id="4" name="TextBox 3">
+            <a:extLst>
+              <a:ext uri="{FF2B5EF4-FFF2-40B4-BE49-F238E27FC236}">
+                <a16:creationId xmlns:a16="http://schemas.microsoft.com/office/drawing/2014/main" id="{453518CD-8082-4896-D04B-BDEA5053E098}"/>
+              </a:ext>
+            </a:extLst>
+          </p:cNvPr>
+          <p:cNvSpPr txBox="1"/>
+          <p:nvPr/>
+        </p:nvSpPr>
+        <p:spPr>
+          <a:xfrm>
+            <a:off x="265979" y="1200889"/>
+            <a:ext cx="6547764" cy="1754326"/>
+          </a:xfrm>
+          <a:prstGeom prst="rect">
+            <a:avLst/>
+          </a:prstGeom>
+          <a:noFill/>
+        </p:spPr>
+        <p:txBody>
+          <a:bodyPr wrap="square">
+            <a:spAutoFit/>
+          </a:bodyPr>
+          <a:lstStyle/>
+          <a:p>
+            <a:pPr marL="285750" indent="-285750" algn="l">
+              <a:buFont typeface="Arial" panose="020B0604020202020204" pitchFamily="34" charset="0"/>
+              <a:buChar char="•"/>
+            </a:pPr>
+            <a:r>
+              <a:rPr lang="en-US" dirty="0">
+                <a:solidFill>
+                  <a:srgbClr val="000000"/>
+                </a:solidFill>
+                <a:latin typeface="Calibri" panose="020F0502020204030204" pitchFamily="34" charset="0"/>
+              </a:rPr>
+              <a:t>Bad model overall.</a:t>
+            </a:r>
+          </a:p>
+          <a:p>
+            <a:pPr marL="285750" indent="-285750" algn="l">
+              <a:buFont typeface="Arial" panose="020B0604020202020204" pitchFamily="34" charset="0"/>
+              <a:buChar char="•"/>
+            </a:pPr>
+            <a:r>
+              <a:rPr lang="en-US" dirty="0">
+                <a:solidFill>
+                  <a:srgbClr val="000000"/>
+                </a:solidFill>
+                <a:latin typeface="Calibri" panose="020F0502020204030204" pitchFamily="34" charset="0"/>
+              </a:rPr>
+              <a:t>TF-IDF transformation couldn’t be used because it outputs a sparse matrix and GNB needs a dense one.</a:t>
+            </a:r>
+          </a:p>
+          <a:p>
+            <a:pPr marL="742950" lvl="1" indent="-285750">
+              <a:buFont typeface="Arial" panose="020B0604020202020204" pitchFamily="34" charset="0"/>
+              <a:buChar char="•"/>
+            </a:pPr>
+            <a:r>
+              <a:rPr lang="en-US" dirty="0">
+                <a:solidFill>
+                  <a:srgbClr val="000000"/>
+                </a:solidFill>
+                <a:latin typeface="Calibri" panose="020F0502020204030204" pitchFamily="34" charset="0"/>
+              </a:rPr>
+              <a:t>Could be fixed if pipeline not used. </a:t>
+            </a:r>
+          </a:p>
+          <a:p>
+            <a:pPr marL="285750" indent="-285750">
+              <a:buFont typeface="Arial" panose="020B0604020202020204" pitchFamily="34" charset="0"/>
+              <a:buChar char="•"/>
+            </a:pPr>
+            <a:r>
+              <a:rPr lang="en-US" dirty="0">
+                <a:solidFill>
+                  <a:srgbClr val="000000"/>
+                </a:solidFill>
+                <a:latin typeface="Calibri" panose="020F0502020204030204" pitchFamily="34" charset="0"/>
+              </a:rPr>
+              <a:t>Could be improved using </a:t>
+            </a:r>
+            <a:r>
+              <a:rPr lang="en-US" dirty="0" err="1">
+                <a:solidFill>
+                  <a:srgbClr val="000000"/>
+                </a:solidFill>
+                <a:latin typeface="Calibri" panose="020F0502020204030204" pitchFamily="34" charset="0"/>
+              </a:rPr>
+              <a:t>CountVector</a:t>
+            </a:r>
+            <a:r>
+              <a:rPr lang="en-US" dirty="0">
+                <a:solidFill>
+                  <a:srgbClr val="000000"/>
+                </a:solidFill>
+                <a:latin typeface="Calibri" panose="020F0502020204030204" pitchFamily="34" charset="0"/>
+              </a:rPr>
+              <a:t> transformation if data pre-processing style is changed.</a:t>
+            </a:r>
+          </a:p>
+        </p:txBody>
+      </p:sp>
+      <p:pic>
+        <p:nvPicPr>
+          <p:cNvPr id="7" name="Picture 6">
+            <a:extLst>
+              <a:ext uri="{FF2B5EF4-FFF2-40B4-BE49-F238E27FC236}">
+                <a16:creationId xmlns:a16="http://schemas.microsoft.com/office/drawing/2014/main" id="{1FD49039-DABD-D8BC-048C-1AA44A442477}"/>
+              </a:ext>
+            </a:extLst>
+          </p:cNvPr>
+          <p:cNvPicPr>
+            <a:picLocks noChangeAspect="1"/>
+          </p:cNvPicPr>
+          <p:nvPr/>
+        </p:nvPicPr>
+        <p:blipFill>
+          <a:blip r:embed="rId4"/>
+          <a:stretch>
+            <a:fillRect/>
+          </a:stretch>
+        </p:blipFill>
+        <p:spPr>
+          <a:xfrm>
+            <a:off x="315157" y="5383662"/>
+            <a:ext cx="4659515" cy="1269258"/>
+          </a:xfrm>
+          <a:prstGeom prst="rect">
+            <a:avLst/>
+          </a:prstGeom>
+        </p:spPr>
+      </p:pic>
+    </p:spTree>
+    <p:extLst>
+      <p:ext uri="{BB962C8B-B14F-4D97-AF65-F5344CB8AC3E}">
+        <p14:creationId xmlns:p14="http://schemas.microsoft.com/office/powerpoint/2010/main" val="3799162307"/>
+      </p:ext>
+    </p:extLst>
+  </p:cSld>
+  <p:clrMapOvr>
+    <a:masterClrMapping/>
+  </p:clrMapOvr>
+</p:sld>
+</file>
+
+<file path=ppt/slides/slide16.xml><?xml version="1.0" encoding="utf-8"?>
+<p:sld xmlns:a="http://schemas.openxmlformats.org/drawingml/2006/main" xmlns:r="http://schemas.openxmlformats.org/officeDocument/2006/relationships" xmlns:p="http://schemas.openxmlformats.org/presentationml/2006/main">
+  <p:cSld>
+    <p:spTree>
+      <p:nvGrpSpPr>
+        <p:cNvPr id="1" name=""/>
+        <p:cNvGrpSpPr/>
+        <p:nvPr/>
+      </p:nvGrpSpPr>
+      <p:grpSpPr>
+        <a:xfrm>
+          <a:off x="0" y="0"/>
+          <a:ext cx="0" cy="0"/>
+          <a:chOff x="0" y="0"/>
+          <a:chExt cx="0" cy="0"/>
+        </a:xfrm>
+      </p:grpSpPr>
+      <p:sp>
+        <p:nvSpPr>
+          <p:cNvPr id="6" name="Title 1">
+            <a:extLst>
+              <a:ext uri="{FF2B5EF4-FFF2-40B4-BE49-F238E27FC236}">
+                <a16:creationId xmlns:a16="http://schemas.microsoft.com/office/drawing/2014/main" id="{8DEBE404-8654-ABEC-F427-CB3B2BB758E7}"/>
+              </a:ext>
+            </a:extLst>
+          </p:cNvPr>
+          <p:cNvSpPr txBox="1">
+            <a:spLocks/>
+          </p:cNvSpPr>
+          <p:nvPr/>
+        </p:nvSpPr>
+        <p:spPr>
+          <a:xfrm rot="5400000">
+            <a:off x="5567492" y="-5567495"/>
+            <a:ext cx="1057013" cy="12192003"/>
+          </a:xfrm>
+          <a:prstGeom prst="rect">
+            <a:avLst/>
+          </a:prstGeom>
+          <a:solidFill>
+            <a:srgbClr val="3B3B3B"/>
+          </a:solidFill>
+        </p:spPr>
+        <p:txBody>
+          <a:bodyPr vert="vert270" lIns="91440" tIns="45720" rIns="91440" bIns="45720" rtlCol="0" anchor="t" anchorCtr="0">
+            <a:normAutofit fontScale="25000" lnSpcReduction="20000"/>
+          </a:bodyPr>
+          <a:lstStyle>
+            <a:lvl1pPr algn="l" defTabSz="914400" rtl="0" eaLnBrk="1" latinLnBrk="0" hangingPunct="1">
+              <a:lnSpc>
+                <a:spcPct val="90000"/>
+              </a:lnSpc>
+              <a:spcBef>
+                <a:spcPct val="0"/>
+              </a:spcBef>
+              <a:buNone/>
+              <a:defRPr sz="4400" kern="1200">
+                <a:solidFill>
+                  <a:schemeClr val="tx1"/>
+                </a:solidFill>
+                <a:latin typeface="+mj-lt"/>
+                <a:ea typeface="+mj-ea"/>
+                <a:cs typeface="+mj-cs"/>
+              </a:defRPr>
+            </a:lvl1pPr>
+          </a:lstStyle>
+          <a:p>
+            <a:br>
+              <a:rPr lang="en-US" dirty="0"/>
+            </a:br>
+            <a:br>
+              <a:rPr lang="en-US" dirty="0"/>
+            </a:br>
+            <a:br>
+              <a:rPr lang="en-US" dirty="0"/>
+            </a:br>
+            <a:r>
+              <a:rPr lang="en-US" dirty="0"/>
+              <a:t>	</a:t>
+            </a:r>
+            <a:r>
+              <a:rPr lang="en-US" sz="17600" dirty="0">
+                <a:solidFill>
+                  <a:srgbClr val="FF6600"/>
+                </a:solidFill>
+              </a:rPr>
+              <a:t>Stochastic Gradient Descent (SGD)</a:t>
+            </a:r>
+          </a:p>
+        </p:txBody>
+      </p:sp>
+      <p:pic>
+        <p:nvPicPr>
+          <p:cNvPr id="3" name="Picture 2">
+            <a:extLst>
+              <a:ext uri="{FF2B5EF4-FFF2-40B4-BE49-F238E27FC236}">
+                <a16:creationId xmlns:a16="http://schemas.microsoft.com/office/drawing/2014/main" id="{657DF280-3501-DF0B-CE72-501BC4CC383B}"/>
+              </a:ext>
+            </a:extLst>
+          </p:cNvPr>
+          <p:cNvPicPr>
+            <a:picLocks noChangeAspect="1"/>
+          </p:cNvPicPr>
+          <p:nvPr/>
+        </p:nvPicPr>
+        <p:blipFill>
+          <a:blip r:embed="rId2"/>
+          <a:stretch>
+            <a:fillRect/>
+          </a:stretch>
+        </p:blipFill>
+        <p:spPr>
+          <a:xfrm>
+            <a:off x="893433" y="3295118"/>
+            <a:ext cx="3677163" cy="2172003"/>
+          </a:xfrm>
+          <a:prstGeom prst="rect">
+            <a:avLst/>
+          </a:prstGeom>
+        </p:spPr>
+      </p:pic>
+      <p:sp>
+        <p:nvSpPr>
+          <p:cNvPr id="4" name="TextBox 3">
+            <a:extLst>
+              <a:ext uri="{FF2B5EF4-FFF2-40B4-BE49-F238E27FC236}">
+                <a16:creationId xmlns:a16="http://schemas.microsoft.com/office/drawing/2014/main" id="{1B7C5C7C-BF25-0F45-7DC2-054FE1744937}"/>
+              </a:ext>
+            </a:extLst>
+          </p:cNvPr>
+          <p:cNvSpPr txBox="1"/>
+          <p:nvPr/>
+        </p:nvSpPr>
+        <p:spPr>
+          <a:xfrm>
+            <a:off x="265979" y="1200889"/>
+            <a:ext cx="6547764" cy="1477328"/>
+          </a:xfrm>
+          <a:prstGeom prst="rect">
+            <a:avLst/>
+          </a:prstGeom>
+          <a:noFill/>
+        </p:spPr>
+        <p:txBody>
+          <a:bodyPr wrap="square">
+            <a:spAutoFit/>
+          </a:bodyPr>
+          <a:lstStyle/>
+          <a:p>
+            <a:pPr marL="285750" indent="-285750" algn="l">
+              <a:buFont typeface="Arial" panose="020B0604020202020204" pitchFamily="34" charset="0"/>
+              <a:buChar char="•"/>
+            </a:pPr>
+            <a:r>
+              <a:rPr lang="en-US" dirty="0">
+                <a:solidFill>
+                  <a:srgbClr val="000000"/>
+                </a:solidFill>
+                <a:latin typeface="Calibri" panose="020F0502020204030204" pitchFamily="34" charset="0"/>
+              </a:rPr>
+              <a:t>Bad model overall.</a:t>
+            </a:r>
+          </a:p>
+          <a:p>
+            <a:pPr marL="285750" indent="-285750">
+              <a:buFont typeface="Arial" panose="020B0604020202020204" pitchFamily="34" charset="0"/>
+              <a:buChar char="•"/>
+            </a:pPr>
+            <a:r>
+              <a:rPr lang="en-US" dirty="0">
+                <a:solidFill>
+                  <a:srgbClr val="000000"/>
+                </a:solidFill>
+                <a:latin typeface="Calibri" panose="020F0502020204030204" pitchFamily="34" charset="0"/>
+              </a:rPr>
+              <a:t>Could be improved using </a:t>
+            </a:r>
+            <a:r>
+              <a:rPr lang="en-US" dirty="0" err="1">
+                <a:solidFill>
+                  <a:srgbClr val="000000"/>
+                </a:solidFill>
+                <a:latin typeface="Calibri" panose="020F0502020204030204" pitchFamily="34" charset="0"/>
+              </a:rPr>
+              <a:t>CountVector</a:t>
+            </a:r>
+            <a:r>
+              <a:rPr lang="en-US" dirty="0">
+                <a:solidFill>
+                  <a:srgbClr val="000000"/>
+                </a:solidFill>
+                <a:latin typeface="Calibri" panose="020F0502020204030204" pitchFamily="34" charset="0"/>
+              </a:rPr>
+              <a:t> transformation if data pre-processing style is changed.</a:t>
+            </a:r>
+          </a:p>
+          <a:p>
+            <a:pPr marL="285750" indent="-285750">
+              <a:buFont typeface="Arial" panose="020B0604020202020204" pitchFamily="34" charset="0"/>
+              <a:buChar char="•"/>
+            </a:pPr>
+            <a:r>
+              <a:rPr lang="en-US" dirty="0">
+                <a:solidFill>
+                  <a:srgbClr val="000000"/>
+                </a:solidFill>
+                <a:latin typeface="Calibri" panose="020F0502020204030204" pitchFamily="34" charset="0"/>
+              </a:rPr>
+              <a:t>An accelerated gradient descent might be beneficial.</a:t>
+            </a:r>
+          </a:p>
+          <a:p>
+            <a:pPr marL="285750" indent="-285750">
+              <a:buFont typeface="Arial" panose="020B0604020202020204" pitchFamily="34" charset="0"/>
+              <a:buChar char="•"/>
+            </a:pPr>
+            <a:r>
+              <a:rPr lang="en-US" dirty="0">
+                <a:solidFill>
+                  <a:srgbClr val="000000"/>
+                </a:solidFill>
+                <a:latin typeface="Calibri" panose="020F0502020204030204" pitchFamily="34" charset="0"/>
+              </a:rPr>
+              <a:t>Changing the loss function using might be beneficial.</a:t>
+            </a:r>
+          </a:p>
+        </p:txBody>
+      </p:sp>
+      <p:pic>
+        <p:nvPicPr>
+          <p:cNvPr id="7" name="Picture 6">
+            <a:extLst>
+              <a:ext uri="{FF2B5EF4-FFF2-40B4-BE49-F238E27FC236}">
+                <a16:creationId xmlns:a16="http://schemas.microsoft.com/office/drawing/2014/main" id="{080B9E96-C249-5C37-DC35-5FCF7050DEF3}"/>
+              </a:ext>
+            </a:extLst>
+          </p:cNvPr>
+          <p:cNvPicPr>
+            <a:picLocks noChangeAspect="1"/>
+          </p:cNvPicPr>
+          <p:nvPr/>
+        </p:nvPicPr>
+        <p:blipFill>
+          <a:blip r:embed="rId3"/>
+          <a:stretch>
+            <a:fillRect/>
+          </a:stretch>
+        </p:blipFill>
+        <p:spPr>
+          <a:xfrm>
+            <a:off x="6473618" y="2181051"/>
+            <a:ext cx="5268060" cy="1409897"/>
+          </a:xfrm>
+          <a:prstGeom prst="rect">
+            <a:avLst/>
+          </a:prstGeom>
+        </p:spPr>
+      </p:pic>
+    </p:spTree>
+    <p:extLst>
+      <p:ext uri="{BB962C8B-B14F-4D97-AF65-F5344CB8AC3E}">
+        <p14:creationId xmlns:p14="http://schemas.microsoft.com/office/powerpoint/2010/main" val="1059006158"/>
+      </p:ext>
+    </p:extLst>
+  </p:cSld>
+  <p:clrMapOvr>
+    <a:masterClrMapping/>
+  </p:clrMapOvr>
+</p:sld>
+</file>
+
+<file path=ppt/slides/slide17.xml><?xml version="1.0" encoding="utf-8"?>
+<p:sld xmlns:a="http://schemas.openxmlformats.org/drawingml/2006/main" xmlns:r="http://schemas.openxmlformats.org/officeDocument/2006/relationships" xmlns:p="http://schemas.openxmlformats.org/presentationml/2006/main">
+  <p:cSld>
+    <p:spTree>
+      <p:nvGrpSpPr>
+        <p:cNvPr id="1" name=""/>
+        <p:cNvGrpSpPr/>
+        <p:nvPr/>
+      </p:nvGrpSpPr>
+      <p:grpSpPr>
+        <a:xfrm>
+          <a:off x="0" y="0"/>
+          <a:ext cx="0" cy="0"/>
+          <a:chOff x="0" y="0"/>
+          <a:chExt cx="0" cy="0"/>
+        </a:xfrm>
+      </p:grpSpPr>
+      <p:sp>
+        <p:nvSpPr>
+          <p:cNvPr id="6" name="Title 1">
+            <a:extLst>
+              <a:ext uri="{FF2B5EF4-FFF2-40B4-BE49-F238E27FC236}">
+                <a16:creationId xmlns:a16="http://schemas.microsoft.com/office/drawing/2014/main" id="{8DEBE404-8654-ABEC-F427-CB3B2BB758E7}"/>
+              </a:ext>
+            </a:extLst>
+          </p:cNvPr>
+          <p:cNvSpPr txBox="1">
+            <a:spLocks/>
+          </p:cNvSpPr>
+          <p:nvPr/>
+        </p:nvSpPr>
+        <p:spPr>
+          <a:xfrm rot="5400000">
+            <a:off x="5567492" y="-5567495"/>
+            <a:ext cx="1057013" cy="12192003"/>
+          </a:xfrm>
+          <a:prstGeom prst="rect">
+            <a:avLst/>
+          </a:prstGeom>
+          <a:solidFill>
+            <a:srgbClr val="3B3B3B"/>
+          </a:solidFill>
+        </p:spPr>
+        <p:txBody>
+          <a:bodyPr vert="vert270" lIns="91440" tIns="45720" rIns="91440" bIns="45720" rtlCol="0" anchor="t" anchorCtr="0">
+            <a:normAutofit fontScale="25000" lnSpcReduction="20000"/>
+          </a:bodyPr>
+          <a:lstStyle>
+            <a:lvl1pPr algn="l" defTabSz="914400" rtl="0" eaLnBrk="1" latinLnBrk="0" hangingPunct="1">
+              <a:lnSpc>
+                <a:spcPct val="90000"/>
+              </a:lnSpc>
+              <a:spcBef>
+                <a:spcPct val="0"/>
+              </a:spcBef>
+              <a:buNone/>
+              <a:defRPr sz="4400" kern="1200">
+                <a:solidFill>
+                  <a:schemeClr val="tx1"/>
+                </a:solidFill>
+                <a:latin typeface="+mj-lt"/>
+                <a:ea typeface="+mj-ea"/>
+                <a:cs typeface="+mj-cs"/>
+              </a:defRPr>
+            </a:lvl1pPr>
+          </a:lstStyle>
+          <a:p>
+            <a:br>
+              <a:rPr lang="en-US" dirty="0"/>
+            </a:br>
+            <a:br>
+              <a:rPr lang="en-US" dirty="0"/>
+            </a:br>
+            <a:br>
+              <a:rPr lang="en-US" dirty="0"/>
+            </a:br>
+            <a:r>
+              <a:rPr lang="en-US" dirty="0"/>
+              <a:t>	</a:t>
+            </a:r>
+            <a:r>
+              <a:rPr lang="en-US" sz="17600" dirty="0">
+                <a:solidFill>
+                  <a:srgbClr val="FF6600"/>
+                </a:solidFill>
+              </a:rPr>
+              <a:t>XGB Classifier</a:t>
+            </a:r>
+          </a:p>
+        </p:txBody>
+      </p:sp>
+      <p:pic>
+        <p:nvPicPr>
+          <p:cNvPr id="3" name="Picture 2">
+            <a:extLst>
+              <a:ext uri="{FF2B5EF4-FFF2-40B4-BE49-F238E27FC236}">
+                <a16:creationId xmlns:a16="http://schemas.microsoft.com/office/drawing/2014/main" id="{173A0217-82E4-9749-4E04-A08354AE9785}"/>
+              </a:ext>
+            </a:extLst>
+          </p:cNvPr>
+          <p:cNvPicPr>
+            <a:picLocks noChangeAspect="1"/>
+          </p:cNvPicPr>
+          <p:nvPr/>
+        </p:nvPicPr>
+        <p:blipFill>
+          <a:blip r:embed="rId2"/>
+          <a:stretch>
+            <a:fillRect/>
+          </a:stretch>
+        </p:blipFill>
+        <p:spPr>
+          <a:xfrm>
+            <a:off x="6778305" y="1493837"/>
+            <a:ext cx="5058850" cy="1394312"/>
+          </a:xfrm>
+          <a:prstGeom prst="rect">
+            <a:avLst/>
+          </a:prstGeom>
+        </p:spPr>
+      </p:pic>
+      <p:pic>
+        <p:nvPicPr>
+          <p:cNvPr id="5122" name="Picture 2" descr="XGBoost - GeeksforGeeks">
+            <a:extLst>
+              <a:ext uri="{FF2B5EF4-FFF2-40B4-BE49-F238E27FC236}">
+                <a16:creationId xmlns:a16="http://schemas.microsoft.com/office/drawing/2014/main" id="{4889E26B-662F-27E5-6569-547C1DDE8E8E}"/>
+              </a:ext>
+            </a:extLst>
+          </p:cNvPr>
+          <p:cNvPicPr>
+            <a:picLocks noChangeAspect="1" noChangeArrowheads="1"/>
+          </p:cNvPicPr>
+          <p:nvPr/>
+        </p:nvPicPr>
+        <p:blipFill>
+          <a:blip r:embed="rId3">
+            <a:extLst>
+              <a:ext uri="{28A0092B-C50C-407E-A947-70E740481C1C}">
+                <a14:useLocalDpi xmlns:a14="http://schemas.microsoft.com/office/drawing/2010/main" val="0"/>
+              </a:ext>
+            </a:extLst>
+          </a:blip>
+          <a:srcRect/>
+          <a:stretch>
+            <a:fillRect/>
+          </a:stretch>
+        </p:blipFill>
+        <p:spPr bwMode="auto">
+          <a:xfrm>
+            <a:off x="5871944" y="3347164"/>
+            <a:ext cx="5562250" cy="3142671"/>
+          </a:xfrm>
+          <a:prstGeom prst="rect">
+            <a:avLst/>
+          </a:prstGeom>
+          <a:noFill/>
+          <a:extLst>
+            <a:ext uri="{909E8E84-426E-40DD-AFC4-6F175D3DCCD1}">
+              <a14:hiddenFill xmlns:a14="http://schemas.microsoft.com/office/drawing/2010/main">
+                <a:solidFill>
+                  <a:srgbClr val="FFFFFF"/>
+                </a:solidFill>
+              </a14:hiddenFill>
+            </a:ext>
+          </a:extLst>
+        </p:spPr>
+      </p:pic>
+      <p:sp>
+        <p:nvSpPr>
+          <p:cNvPr id="4" name="TextBox 3">
+            <a:extLst>
+              <a:ext uri="{FF2B5EF4-FFF2-40B4-BE49-F238E27FC236}">
+                <a16:creationId xmlns:a16="http://schemas.microsoft.com/office/drawing/2014/main" id="{1B8CC151-A0CE-B2F2-6303-6204A9A66A77}"/>
+              </a:ext>
+            </a:extLst>
+          </p:cNvPr>
+          <p:cNvSpPr txBox="1"/>
+          <p:nvPr/>
+        </p:nvSpPr>
+        <p:spPr>
+          <a:xfrm>
+            <a:off x="265979" y="1200889"/>
+            <a:ext cx="6067709" cy="2308324"/>
+          </a:xfrm>
+          <a:prstGeom prst="rect">
+            <a:avLst/>
+          </a:prstGeom>
+          <a:noFill/>
+        </p:spPr>
+        <p:txBody>
+          <a:bodyPr wrap="square">
+            <a:spAutoFit/>
+          </a:bodyPr>
+          <a:lstStyle/>
+          <a:p>
+            <a:pPr marL="285750" indent="-285750" algn="l">
+              <a:buFont typeface="Arial" panose="020B0604020202020204" pitchFamily="34" charset="0"/>
+              <a:buChar char="•"/>
+            </a:pPr>
+            <a:r>
+              <a:rPr lang="en-US" dirty="0">
+                <a:solidFill>
+                  <a:srgbClr val="000000"/>
+                </a:solidFill>
+                <a:latin typeface="Calibri" panose="020F0502020204030204" pitchFamily="34" charset="0"/>
+              </a:rPr>
+              <a:t>Worked moderately well</a:t>
+            </a:r>
+          </a:p>
+          <a:p>
+            <a:pPr marL="285750" indent="-285750" algn="l">
+              <a:buFont typeface="Arial" panose="020B0604020202020204" pitchFamily="34" charset="0"/>
+              <a:buChar char="•"/>
+            </a:pPr>
+            <a:r>
+              <a:rPr lang="en-US" dirty="0">
+                <a:solidFill>
+                  <a:srgbClr val="000000"/>
+                </a:solidFill>
+                <a:latin typeface="Calibri" panose="020F0502020204030204" pitchFamily="34" charset="0"/>
+              </a:rPr>
+              <a:t>Ensemble classifier</a:t>
+            </a:r>
+          </a:p>
+          <a:p>
+            <a:pPr marL="742950" lvl="1" indent="-285750">
+              <a:buFont typeface="Arial" panose="020B0604020202020204" pitchFamily="34" charset="0"/>
+              <a:buChar char="•"/>
+            </a:pPr>
+            <a:r>
+              <a:rPr lang="en-US" dirty="0">
+                <a:solidFill>
+                  <a:srgbClr val="000000"/>
+                </a:solidFill>
+                <a:latin typeface="Calibri" panose="020F0502020204030204" pitchFamily="34" charset="0"/>
+              </a:rPr>
+              <a:t>Would likely benefit from more features for training.</a:t>
+            </a:r>
+          </a:p>
+          <a:p>
+            <a:pPr marL="285750" indent="-285750">
+              <a:buFont typeface="Arial" panose="020B0604020202020204" pitchFamily="34" charset="0"/>
+              <a:buChar char="•"/>
+            </a:pPr>
+            <a:r>
+              <a:rPr lang="en-US" dirty="0">
+                <a:solidFill>
+                  <a:srgbClr val="000000"/>
+                </a:solidFill>
+                <a:latin typeface="Calibri" panose="020F0502020204030204" pitchFamily="34" charset="0"/>
+              </a:rPr>
+              <a:t>A list of commonly used words in hate speech could be used.</a:t>
+            </a:r>
+          </a:p>
+          <a:p>
+            <a:pPr marL="742950" lvl="1" indent="-285750">
+              <a:buFont typeface="Arial" panose="020B0604020202020204" pitchFamily="34" charset="0"/>
+              <a:buChar char="•"/>
+            </a:pPr>
+            <a:r>
+              <a:rPr lang="en-US" dirty="0">
+                <a:solidFill>
+                  <a:srgbClr val="000000"/>
+                </a:solidFill>
+                <a:latin typeface="Calibri" panose="020F0502020204030204" pitchFamily="34" charset="0"/>
+              </a:rPr>
+              <a:t>List would have to be updated regularly since language changes quickly on social media.</a:t>
+            </a:r>
+          </a:p>
+          <a:p>
+            <a:pPr marL="742950" lvl="1" indent="-285750">
+              <a:buFont typeface="Arial" panose="020B0604020202020204" pitchFamily="34" charset="0"/>
+              <a:buChar char="•"/>
+            </a:pPr>
+            <a:r>
+              <a:rPr lang="en-US" dirty="0">
+                <a:solidFill>
+                  <a:srgbClr val="000000"/>
+                </a:solidFill>
+                <a:latin typeface="Calibri" panose="020F0502020204030204" pitchFamily="34" charset="0"/>
+              </a:rPr>
+              <a:t>Could introduce political bias.</a:t>
+            </a:r>
+          </a:p>
+        </p:txBody>
+      </p:sp>
+    </p:spTree>
+    <p:extLst>
+      <p:ext uri="{BB962C8B-B14F-4D97-AF65-F5344CB8AC3E}">
+        <p14:creationId xmlns:p14="http://schemas.microsoft.com/office/powerpoint/2010/main" val="868940752"/>
+      </p:ext>
+    </p:extLst>
+  </p:cSld>
+  <p:clrMapOvr>
+    <a:masterClrMapping/>
+  </p:clrMapOvr>
+</p:sld>
+</file>
+
+<file path=ppt/slides/slide18.xml><?xml version="1.0" encoding="utf-8"?>
+<p:sld xmlns:a="http://schemas.openxmlformats.org/drawingml/2006/main" xmlns:r="http://schemas.openxmlformats.org/officeDocument/2006/relationships" xmlns:p="http://schemas.openxmlformats.org/presentationml/2006/main">
+  <p:cSld>
+    <p:spTree>
+      <p:nvGrpSpPr>
+        <p:cNvPr id="1" name=""/>
+        <p:cNvGrpSpPr/>
+        <p:nvPr/>
+      </p:nvGrpSpPr>
+      <p:grpSpPr>
+        <a:xfrm>
+          <a:off x="0" y="0"/>
+          <a:ext cx="0" cy="0"/>
+          <a:chOff x="0" y="0"/>
+          <a:chExt cx="0" cy="0"/>
+        </a:xfrm>
+      </p:grpSpPr>
+      <p:sp>
+        <p:nvSpPr>
+          <p:cNvPr id="6" name="Title 1">
+            <a:extLst>
+              <a:ext uri="{FF2B5EF4-FFF2-40B4-BE49-F238E27FC236}">
+                <a16:creationId xmlns:a16="http://schemas.microsoft.com/office/drawing/2014/main" id="{8DEBE404-8654-ABEC-F427-CB3B2BB758E7}"/>
+              </a:ext>
+            </a:extLst>
+          </p:cNvPr>
+          <p:cNvSpPr txBox="1">
+            <a:spLocks/>
+          </p:cNvSpPr>
+          <p:nvPr/>
+        </p:nvSpPr>
+        <p:spPr>
+          <a:xfrm rot="5400000">
+            <a:off x="5567492" y="-5567495"/>
+            <a:ext cx="1057013" cy="12192003"/>
+          </a:xfrm>
+          <a:prstGeom prst="rect">
+            <a:avLst/>
+          </a:prstGeom>
+          <a:solidFill>
+            <a:srgbClr val="3B3B3B"/>
+          </a:solidFill>
+        </p:spPr>
+        <p:txBody>
+          <a:bodyPr vert="vert270" lIns="91440" tIns="45720" rIns="91440" bIns="45720" rtlCol="0" anchor="t" anchorCtr="0">
+            <a:normAutofit fontScale="25000" lnSpcReduction="20000"/>
+          </a:bodyPr>
+          <a:lstStyle>
+            <a:lvl1pPr algn="l" defTabSz="914400" rtl="0" eaLnBrk="1" latinLnBrk="0" hangingPunct="1">
+              <a:lnSpc>
+                <a:spcPct val="90000"/>
+              </a:lnSpc>
+              <a:spcBef>
+                <a:spcPct val="0"/>
+              </a:spcBef>
+              <a:buNone/>
+              <a:defRPr sz="4400" kern="1200">
+                <a:solidFill>
+                  <a:schemeClr val="tx1"/>
+                </a:solidFill>
+                <a:latin typeface="+mj-lt"/>
+                <a:ea typeface="+mj-ea"/>
+                <a:cs typeface="+mj-cs"/>
+              </a:defRPr>
+            </a:lvl1pPr>
+          </a:lstStyle>
+          <a:p>
+            <a:br>
+              <a:rPr lang="en-US" dirty="0"/>
+            </a:br>
+            <a:br>
+              <a:rPr lang="en-US" dirty="0"/>
+            </a:br>
+            <a:br>
+              <a:rPr lang="en-US" dirty="0"/>
+            </a:br>
+            <a:r>
+              <a:rPr lang="en-US" dirty="0"/>
+              <a:t>	</a:t>
+            </a:r>
+            <a:r>
+              <a:rPr lang="en-US" sz="17600" dirty="0">
+                <a:solidFill>
+                  <a:srgbClr val="FF6600"/>
+                </a:solidFill>
+              </a:rPr>
+              <a:t>Results</a:t>
+            </a:r>
+          </a:p>
+        </p:txBody>
+      </p:sp>
+      <p:sp>
+        <p:nvSpPr>
+          <p:cNvPr id="7" name="TextBox 6">
+            <a:extLst>
+              <a:ext uri="{FF2B5EF4-FFF2-40B4-BE49-F238E27FC236}">
+                <a16:creationId xmlns:a16="http://schemas.microsoft.com/office/drawing/2014/main" id="{DBECFE06-BBFF-69BE-01F2-7C1FD7A7E46F}"/>
+              </a:ext>
+            </a:extLst>
+          </p:cNvPr>
+          <p:cNvSpPr txBox="1"/>
+          <p:nvPr/>
+        </p:nvSpPr>
+        <p:spPr>
+          <a:xfrm>
+            <a:off x="616434" y="1555318"/>
+            <a:ext cx="5293561" cy="3693319"/>
+          </a:xfrm>
+          <a:prstGeom prst="rect">
+            <a:avLst/>
+          </a:prstGeom>
+          <a:noFill/>
+        </p:spPr>
+        <p:txBody>
+          <a:bodyPr wrap="square">
+            <a:spAutoFit/>
+          </a:bodyPr>
+          <a:lstStyle/>
+          <a:p>
+            <a:pPr algn="l"/>
+            <a:r>
+              <a:rPr lang="en-US" dirty="0"/>
+              <a:t>Decision tree performed the best in every category. It was exceptional at recall (i.e., minimizing false negatives). </a:t>
+            </a:r>
+          </a:p>
+          <a:p>
+            <a:pPr algn="l"/>
+            <a:endParaRPr lang="en-US" dirty="0"/>
+          </a:p>
+          <a:p>
+            <a:pPr algn="l"/>
+            <a:r>
+              <a:rPr lang="en-US" dirty="0"/>
+              <a:t>Why black box models are suitable:</a:t>
+            </a:r>
+          </a:p>
+          <a:p>
+            <a:pPr marL="285750" indent="-285750" algn="l">
+              <a:buFont typeface="Arial" panose="020B0604020202020204" pitchFamily="34" charset="0"/>
+              <a:buChar char="•"/>
+            </a:pPr>
+            <a:r>
+              <a:rPr lang="en-US" dirty="0"/>
+              <a:t>Don’t want political views to affect what is viewed as hate speech (greater censorship). </a:t>
+            </a:r>
+          </a:p>
+          <a:p>
+            <a:pPr marL="285750" indent="-285750" algn="l">
+              <a:buFont typeface="Arial" panose="020B0604020202020204" pitchFamily="34" charset="0"/>
+              <a:buChar char="•"/>
+            </a:pPr>
+            <a:r>
+              <a:rPr lang="en-US" dirty="0"/>
+              <a:t>Better than individuals reviewing hate speech since model is consistent.</a:t>
+            </a:r>
+          </a:p>
+          <a:p>
+            <a:pPr marL="285750" indent="-285750" algn="l">
+              <a:buFont typeface="Arial" panose="020B0604020202020204" pitchFamily="34" charset="0"/>
+              <a:buChar char="•"/>
+            </a:pPr>
+            <a:r>
+              <a:rPr lang="en-US" dirty="0"/>
+              <a:t>Bias can exist from chosen data and how it is labelled, but not after the model is trained.</a:t>
+            </a:r>
+          </a:p>
+          <a:p>
+            <a:pPr marL="285750" indent="-285750" algn="l">
+              <a:buFont typeface="Arial" panose="020B0604020202020204" pitchFamily="34" charset="0"/>
+              <a:buChar char="•"/>
+            </a:pPr>
+            <a:r>
+              <a:rPr lang="en-US" dirty="0"/>
+              <a:t>However, model will have to be retrained to keep up with changing language. </a:t>
+            </a:r>
+            <a:endParaRPr lang="en-GB" dirty="0"/>
+          </a:p>
+        </p:txBody>
+      </p:sp>
+      <p:pic>
+        <p:nvPicPr>
+          <p:cNvPr id="3" name="Picture 2">
+            <a:extLst>
+              <a:ext uri="{FF2B5EF4-FFF2-40B4-BE49-F238E27FC236}">
+                <a16:creationId xmlns:a16="http://schemas.microsoft.com/office/drawing/2014/main" id="{9EC11FC8-C38F-6025-C5F0-4F8050D36B08}"/>
+              </a:ext>
+            </a:extLst>
+          </p:cNvPr>
+          <p:cNvPicPr>
+            <a:picLocks noChangeAspect="1"/>
+          </p:cNvPicPr>
+          <p:nvPr/>
+        </p:nvPicPr>
+        <p:blipFill>
+          <a:blip r:embed="rId2"/>
+          <a:stretch>
+            <a:fillRect/>
+          </a:stretch>
+        </p:blipFill>
+        <p:spPr>
+          <a:xfrm>
+            <a:off x="7365533" y="1363352"/>
+            <a:ext cx="4468637" cy="3650205"/>
+          </a:xfrm>
+          <a:prstGeom prst="rect">
+            <a:avLst/>
+          </a:prstGeom>
+        </p:spPr>
+      </p:pic>
+      <p:pic>
+        <p:nvPicPr>
+          <p:cNvPr id="5" name="Picture 4">
+            <a:extLst>
+              <a:ext uri="{FF2B5EF4-FFF2-40B4-BE49-F238E27FC236}">
+                <a16:creationId xmlns:a16="http://schemas.microsoft.com/office/drawing/2014/main" id="{DD81DDCF-0C41-4643-A330-F5329B87F918}"/>
+              </a:ext>
+            </a:extLst>
+          </p:cNvPr>
+          <p:cNvPicPr>
+            <a:picLocks noChangeAspect="1"/>
+          </p:cNvPicPr>
+          <p:nvPr/>
+        </p:nvPicPr>
+        <p:blipFill>
+          <a:blip r:embed="rId3"/>
+          <a:stretch>
+            <a:fillRect/>
+          </a:stretch>
+        </p:blipFill>
+        <p:spPr>
+          <a:xfrm>
+            <a:off x="7365533" y="5013557"/>
+            <a:ext cx="3267531" cy="1771897"/>
+          </a:xfrm>
+          <a:prstGeom prst="rect">
+            <a:avLst/>
+          </a:prstGeom>
+        </p:spPr>
+      </p:pic>
+    </p:spTree>
+    <p:extLst>
+      <p:ext uri="{BB962C8B-B14F-4D97-AF65-F5344CB8AC3E}">
+        <p14:creationId xmlns:p14="http://schemas.microsoft.com/office/powerpoint/2010/main" val="4069730817"/>
+      </p:ext>
+    </p:extLst>
+  </p:cSld>
+  <p:clrMapOvr>
+    <a:masterClrMapping/>
+  </p:clrMapOvr>
+</p:sld>
+</file>
+
+<file path=ppt/slides/slide19.xml><?xml version="1.0" encoding="utf-8"?>
+<p:sld xmlns:a="http://schemas.openxmlformats.org/drawingml/2006/main" xmlns:r="http://schemas.openxmlformats.org/officeDocument/2006/relationships" xmlns:p="http://schemas.openxmlformats.org/presentationml/2006/main">
+  <p:cSld>
+    <p:spTree>
+      <p:nvGrpSpPr>
+        <p:cNvPr id="1" name=""/>
+        <p:cNvGrpSpPr/>
+        <p:nvPr/>
+      </p:nvGrpSpPr>
+      <p:grpSpPr>
+        <a:xfrm>
+          <a:off x="0" y="0"/>
+          <a:ext cx="0" cy="0"/>
+          <a:chOff x="0" y="0"/>
+          <a:chExt cx="0" cy="0"/>
+        </a:xfrm>
+      </p:grpSpPr>
+      <p:sp>
+        <p:nvSpPr>
+          <p:cNvPr id="2" name="Title 1">
+            <a:extLst>
+              <a:ext uri="{FF2B5EF4-FFF2-40B4-BE49-F238E27FC236}">
+                <a16:creationId xmlns:a16="http://schemas.microsoft.com/office/drawing/2014/main" id="{E8B8F26E-9345-4747-9094-972E38700A17}"/>
+              </a:ext>
+            </a:extLst>
+          </p:cNvPr>
+          <p:cNvSpPr>
+            <a:spLocks noGrp="1"/>
+          </p:cNvSpPr>
+          <p:nvPr>
+            <p:ph type="ctrTitle"/>
+          </p:nvPr>
+        </p:nvSpPr>
+        <p:spPr>
+          <a:xfrm rot="5400000">
+            <a:off x="-562431" y="562430"/>
+            <a:ext cx="6858002" cy="5733142"/>
+          </a:xfrm>
+          <a:solidFill>
+            <a:srgbClr val="3B3B3B"/>
+          </a:solidFill>
+        </p:spPr>
+        <p:txBody>
+          <a:bodyPr vert="vert270" anchor="t" anchorCtr="0"/>
+          <a:lstStyle/>
+          <a:p>
+            <a:endParaRPr lang="en-US" b="1" dirty="0">
+              <a:solidFill>
+                <a:srgbClr val="FF6600"/>
+              </a:solidFill>
+            </a:endParaRPr>
+          </a:p>
+        </p:txBody>
+      </p:sp>
+      <p:pic>
+        <p:nvPicPr>
+          <p:cNvPr id="4" name="Picture 3">
+            <a:extLst>
+              <a:ext uri="{FF2B5EF4-FFF2-40B4-BE49-F238E27FC236}">
+                <a16:creationId xmlns:a16="http://schemas.microsoft.com/office/drawing/2014/main" id="{7A465064-0714-5743-882B-8875105A7023}"/>
+              </a:ext>
+            </a:extLst>
+          </p:cNvPr>
+          <p:cNvPicPr>
+            <a:picLocks noChangeAspect="1"/>
+          </p:cNvPicPr>
+          <p:nvPr/>
+        </p:nvPicPr>
+        <p:blipFill>
+          <a:blip r:embed="rId2" cstate="print">
+            <a:extLst>
+              <a:ext uri="{28A0092B-C50C-407E-A947-70E740481C1C}">
+                <a14:useLocalDpi xmlns:a14="http://schemas.microsoft.com/office/drawing/2010/main" val="0"/>
+              </a:ext>
+            </a:extLst>
+          </a:blip>
+          <a:stretch>
+            <a:fillRect/>
+          </a:stretch>
+        </p:blipFill>
+        <p:spPr>
+          <a:xfrm>
+            <a:off x="0" y="5863771"/>
+            <a:ext cx="1654627" cy="994232"/>
+          </a:xfrm>
+          <a:prstGeom prst="rect">
+            <a:avLst/>
+          </a:prstGeom>
+        </p:spPr>
+      </p:pic>
+      <p:sp>
+        <p:nvSpPr>
+          <p:cNvPr id="6" name="Subtitle 5">
+            <a:extLst>
+              <a:ext uri="{FF2B5EF4-FFF2-40B4-BE49-F238E27FC236}">
+                <a16:creationId xmlns:a16="http://schemas.microsoft.com/office/drawing/2014/main" id="{2D4BA697-580E-5544-8F2F-194AD99B859F}"/>
+              </a:ext>
+            </a:extLst>
+          </p:cNvPr>
+          <p:cNvSpPr>
+            <a:spLocks noGrp="1"/>
+          </p:cNvSpPr>
+          <p:nvPr>
+            <p:ph type="subTitle" idx="1"/>
+          </p:nvPr>
+        </p:nvSpPr>
+        <p:spPr>
+          <a:xfrm>
+            <a:off x="5152570" y="2481943"/>
+            <a:ext cx="5558973" cy="1655762"/>
+          </a:xfrm>
+        </p:spPr>
+        <p:txBody>
+          <a:bodyPr>
+            <a:normAutofit/>
+          </a:bodyPr>
+          <a:lstStyle/>
+          <a:p>
+            <a:r>
+              <a:rPr lang="en-US" sz="6600" dirty="0">
+                <a:solidFill>
+                  <a:srgbClr val="FF6600"/>
+                </a:solidFill>
+              </a:rPr>
+              <a:t>Thank You</a:t>
+            </a:r>
+          </a:p>
+          <a:p>
+            <a:endParaRPr lang="en-US" sz="6600" dirty="0">
+              <a:solidFill>
+                <a:srgbClr val="FF6600"/>
+              </a:solidFill>
+            </a:endParaRPr>
+          </a:p>
+        </p:txBody>
+      </p:sp>
+    </p:spTree>
+    <p:extLst>
+      <p:ext uri="{BB962C8B-B14F-4D97-AF65-F5344CB8AC3E}">
+        <p14:creationId xmlns:p14="http://schemas.microsoft.com/office/powerpoint/2010/main" val="116821060"/>
       </p:ext>
     </p:extLst>
   </p:cSld>
@@ -3135,7 +5772,7 @@
                   <a:srgbClr val="FF6600"/>
                 </a:solidFill>
               </a:rPr>
-              <a:t>Agenda</a:t>
+              <a:t>Contents</a:t>
             </a:r>
           </a:p>
         </p:txBody>
@@ -3188,12 +5825,31 @@
           <a:p>
             <a:pPr algn="just"/>
             <a:r>
+              <a:rPr lang="en-US" sz="2800">
+                <a:solidFill>
+                  <a:srgbClr val="FF6600"/>
+                </a:solidFill>
+              </a:rPr>
+              <a:t>        </a:t>
+            </a:r>
+          </a:p>
+          <a:p>
+            <a:pPr algn="just"/>
+            <a:endParaRPr lang="en-US" sz="2800" dirty="0">
+              <a:solidFill>
+                <a:srgbClr val="FF6600"/>
+              </a:solidFill>
+            </a:endParaRPr>
+          </a:p>
+          <a:p>
+            <a:pPr algn="just"/>
+            <a:r>
               <a:rPr lang="en-US" sz="2800" dirty="0">
                 <a:solidFill>
                   <a:srgbClr val="FF6600"/>
                 </a:solidFill>
               </a:rPr>
-              <a:t>         </a:t>
+              <a:t>         Problem Statement</a:t>
             </a:r>
           </a:p>
           <a:p>
@@ -3204,7 +5860,7 @@
                   <a:srgbClr val="FF6600"/>
                 </a:solidFill>
               </a:rPr>
-              <a:t>         Executive Summary</a:t>
+              <a:t>         Assumptions</a:t>
             </a:r>
           </a:p>
           <a:p>
@@ -3215,7 +5871,7 @@
                   <a:srgbClr val="FF6600"/>
                 </a:solidFill>
               </a:rPr>
-              <a:t>         Problem Statement</a:t>
+              <a:t>         Data Cleaning and Pre-processing</a:t>
             </a:r>
           </a:p>
           <a:p>
@@ -3226,7 +5882,7 @@
                   <a:srgbClr val="FF6600"/>
                 </a:solidFill>
               </a:rPr>
-              <a:t>         Approach</a:t>
+              <a:t>         EDA and Featurization</a:t>
             </a:r>
           </a:p>
           <a:p>
@@ -3237,29 +5893,7 @@
                   <a:srgbClr val="FF6600"/>
                 </a:solidFill>
               </a:rPr>
-              <a:t>         EDA</a:t>
-            </a:r>
-          </a:p>
-          <a:p>
-            <a:pPr algn="just"/>
-            <a:r>
-              <a:rPr lang="en-US" sz="2800" dirty="0">
-                <a:solidFill>
-                  <a:srgbClr val="FF6600"/>
-                </a:solidFill>
-              </a:rPr>
-              <a:t>         EDA Summary</a:t>
-            </a:r>
-          </a:p>
-          <a:p>
-            <a:pPr algn="just"/>
-            <a:r>
-              <a:rPr lang="en-US" sz="2800" dirty="0">
-                <a:solidFill>
-                  <a:srgbClr val="FF6600"/>
-                </a:solidFill>
-              </a:rPr>
-              <a:t>         Recommendations</a:t>
+              <a:t>         Models</a:t>
             </a:r>
           </a:p>
           <a:p>
@@ -3353,10 +5987,84 @@
       </p:grpSpPr>
       <p:sp>
         <p:nvSpPr>
-          <p:cNvPr id="2" name="Title 1">
+          <p:cNvPr id="6" name="Title 1">
             <a:extLst>
               <a:ext uri="{FF2B5EF4-FFF2-40B4-BE49-F238E27FC236}">
-                <a16:creationId xmlns:a16="http://schemas.microsoft.com/office/drawing/2014/main" id="{E8B8F26E-9345-4747-9094-972E38700A17}"/>
+                <a16:creationId xmlns:a16="http://schemas.microsoft.com/office/drawing/2014/main" id="{8DEBE404-8654-ABEC-F427-CB3B2BB758E7}"/>
+              </a:ext>
+            </a:extLst>
+          </p:cNvPr>
+          <p:cNvSpPr txBox="1">
+            <a:spLocks/>
+          </p:cNvSpPr>
+          <p:nvPr/>
+        </p:nvSpPr>
+        <p:spPr>
+          <a:xfrm rot="5400000">
+            <a:off x="5567492" y="-5567495"/>
+            <a:ext cx="1057013" cy="12192003"/>
+          </a:xfrm>
+          <a:prstGeom prst="rect">
+            <a:avLst/>
+          </a:prstGeom>
+          <a:solidFill>
+            <a:srgbClr val="3B3B3B"/>
+          </a:solidFill>
+        </p:spPr>
+        <p:txBody>
+          <a:bodyPr vert="vert270" lIns="91440" tIns="45720" rIns="91440" bIns="45720" rtlCol="0" anchor="t" anchorCtr="0">
+            <a:normAutofit fontScale="25000" lnSpcReduction="20000"/>
+          </a:bodyPr>
+          <a:lstStyle>
+            <a:lvl1pPr algn="l" defTabSz="914400" rtl="0" eaLnBrk="1" latinLnBrk="0" hangingPunct="1">
+              <a:lnSpc>
+                <a:spcPct val="90000"/>
+              </a:lnSpc>
+              <a:spcBef>
+                <a:spcPct val="0"/>
+              </a:spcBef>
+              <a:buNone/>
+              <a:defRPr sz="4400" kern="1200">
+                <a:solidFill>
+                  <a:schemeClr val="tx1"/>
+                </a:solidFill>
+                <a:latin typeface="+mj-lt"/>
+                <a:ea typeface="+mj-ea"/>
+                <a:cs typeface="+mj-cs"/>
+              </a:defRPr>
+            </a:lvl1pPr>
+          </a:lstStyle>
+          <a:p>
+            <a:br>
+              <a:rPr lang="en-US" dirty="0"/>
+            </a:br>
+            <a:br>
+              <a:rPr lang="en-US" dirty="0"/>
+            </a:br>
+            <a:br>
+              <a:rPr lang="en-US" dirty="0"/>
+            </a:br>
+            <a:r>
+              <a:rPr lang="en-US" dirty="0"/>
+              <a:t>	</a:t>
+            </a:r>
+            <a:r>
+              <a:rPr lang="en-US" sz="17600" dirty="0">
+                <a:solidFill>
+                  <a:srgbClr val="FF6600"/>
+                </a:solidFill>
+              </a:rPr>
+              <a:t>Business Understanding</a:t>
+            </a:r>
+          </a:p>
+        </p:txBody>
+      </p:sp>
+      <p:sp>
+        <p:nvSpPr>
+          <p:cNvPr id="9" name="Content Placeholder 8">
+            <a:extLst>
+              <a:ext uri="{FF2B5EF4-FFF2-40B4-BE49-F238E27FC236}">
+                <a16:creationId xmlns:a16="http://schemas.microsoft.com/office/drawing/2014/main" id="{BB7304C8-EFF9-152F-B5C6-3AB574FDBF51}"/>
               </a:ext>
             </a:extLst>
           </p:cNvPr>
@@ -3364,36 +6072,177 @@
             <a:spLocks noGrp="1"/>
           </p:cNvSpPr>
           <p:nvPr>
-            <p:ph type="ctrTitle"/>
+            <p:ph idx="1"/>
           </p:nvPr>
+        </p:nvSpPr>
+        <p:spPr/>
+        <p:txBody>
+          <a:bodyPr/>
+          <a:lstStyle/>
+          <a:p>
+            <a:r>
+              <a:rPr lang="en-GB" dirty="0"/>
+              <a:t>Hate Speech Detection is a task of sentiment classification.</a:t>
+            </a:r>
+            <a:endParaRPr lang="en-US" dirty="0"/>
+          </a:p>
+          <a:p>
+            <a:r>
+              <a:rPr lang="en-US" dirty="0"/>
+              <a:t>Censor hate speech posts.</a:t>
+            </a:r>
+          </a:p>
+          <a:p>
+            <a:pPr lvl="1"/>
+            <a:r>
+              <a:rPr lang="en-US" dirty="0"/>
+              <a:t>These aren’t in line with our policy.</a:t>
+            </a:r>
+          </a:p>
+          <a:p>
+            <a:pPr lvl="1"/>
+            <a:r>
+              <a:rPr lang="en-US" dirty="0"/>
+              <a:t>Defined as discriminatory messages based on identity.</a:t>
+            </a:r>
+          </a:p>
+          <a:p>
+            <a:r>
+              <a:rPr lang="en-US" dirty="0"/>
+              <a:t>Earn user’s trust as safe and accessible platform.</a:t>
+            </a:r>
+          </a:p>
+          <a:p>
+            <a:r>
+              <a:rPr lang="en-GB" dirty="0"/>
+              <a:t>Raise advertiser confidence in brand image and platform.</a:t>
+            </a:r>
+          </a:p>
+          <a:p>
+            <a:pPr lvl="1"/>
+            <a:r>
+              <a:rPr lang="en-GB" dirty="0"/>
+              <a:t>Increase ad revenue. </a:t>
+            </a:r>
+          </a:p>
+          <a:p>
+            <a:pPr marL="457200" lvl="1" indent="0">
+              <a:buNone/>
+            </a:pPr>
+            <a:endParaRPr lang="en-GB" dirty="0"/>
+          </a:p>
+        </p:txBody>
+      </p:sp>
+    </p:spTree>
+    <p:extLst>
+      <p:ext uri="{BB962C8B-B14F-4D97-AF65-F5344CB8AC3E}">
+        <p14:creationId xmlns:p14="http://schemas.microsoft.com/office/powerpoint/2010/main" val="2811189407"/>
+      </p:ext>
+    </p:extLst>
+  </p:cSld>
+  <p:clrMapOvr>
+    <a:masterClrMapping/>
+  </p:clrMapOvr>
+</p:sld>
+</file>
+
+<file path=ppt/slides/slide4.xml><?xml version="1.0" encoding="utf-8"?>
+<p:sld xmlns:a="http://schemas.openxmlformats.org/drawingml/2006/main" xmlns:r="http://schemas.openxmlformats.org/officeDocument/2006/relationships" xmlns:p="http://schemas.openxmlformats.org/presentationml/2006/main">
+  <p:cSld>
+    <p:spTree>
+      <p:nvGrpSpPr>
+        <p:cNvPr id="1" name=""/>
+        <p:cNvGrpSpPr/>
+        <p:nvPr/>
+      </p:nvGrpSpPr>
+      <p:grpSpPr>
+        <a:xfrm>
+          <a:off x="0" y="0"/>
+          <a:ext cx="0" cy="0"/>
+          <a:chOff x="0" y="0"/>
+          <a:chExt cx="0" cy="0"/>
+        </a:xfrm>
+      </p:grpSpPr>
+      <p:sp>
+        <p:nvSpPr>
+          <p:cNvPr id="6" name="Title 1">
+            <a:extLst>
+              <a:ext uri="{FF2B5EF4-FFF2-40B4-BE49-F238E27FC236}">
+                <a16:creationId xmlns:a16="http://schemas.microsoft.com/office/drawing/2014/main" id="{8DEBE404-8654-ABEC-F427-CB3B2BB758E7}"/>
+              </a:ext>
+            </a:extLst>
+          </p:cNvPr>
+          <p:cNvSpPr txBox="1">
+            <a:spLocks/>
+          </p:cNvSpPr>
+          <p:nvPr/>
         </p:nvSpPr>
         <p:spPr>
           <a:xfrm rot="5400000">
-            <a:off x="-562431" y="562430"/>
-            <a:ext cx="6858002" cy="5733142"/>
-          </a:xfrm>
+            <a:off x="5567492" y="-5567495"/>
+            <a:ext cx="1057013" cy="12192003"/>
+          </a:xfrm>
+          <a:prstGeom prst="rect">
+            <a:avLst/>
+          </a:prstGeom>
           <a:solidFill>
             <a:srgbClr val="3B3B3B"/>
           </a:solidFill>
         </p:spPr>
         <p:txBody>
-          <a:bodyPr vert="vert270" anchor="t" anchorCtr="0"/>
-          <a:lstStyle/>
-          <a:p>
-            <a:endParaRPr lang="en-US" b="1" dirty="0">
-              <a:solidFill>
-                <a:srgbClr val="FF6600"/>
-              </a:solidFill>
-            </a:endParaRPr>
+          <a:bodyPr vert="vert270" lIns="91440" tIns="45720" rIns="91440" bIns="45720" rtlCol="0" anchor="t" anchorCtr="0">
+            <a:normAutofit fontScale="25000" lnSpcReduction="20000"/>
+          </a:bodyPr>
+          <a:lstStyle>
+            <a:lvl1pPr algn="l" defTabSz="914400" rtl="0" eaLnBrk="1" latinLnBrk="0" hangingPunct="1">
+              <a:lnSpc>
+                <a:spcPct val="90000"/>
+              </a:lnSpc>
+              <a:spcBef>
+                <a:spcPct val="0"/>
+              </a:spcBef>
+              <a:buNone/>
+              <a:defRPr sz="4400" kern="1200">
+                <a:solidFill>
+                  <a:schemeClr val="tx1"/>
+                </a:solidFill>
+                <a:latin typeface="+mj-lt"/>
+                <a:ea typeface="+mj-ea"/>
+                <a:cs typeface="+mj-cs"/>
+              </a:defRPr>
+            </a:lvl1pPr>
+          </a:lstStyle>
+          <a:p>
+            <a:br>
+              <a:rPr lang="en-US" dirty="0"/>
+            </a:br>
+            <a:br>
+              <a:rPr lang="en-US" dirty="0"/>
+            </a:br>
+            <a:br>
+              <a:rPr lang="en-US" dirty="0"/>
+            </a:br>
+            <a:r>
+              <a:rPr lang="en-US" dirty="0"/>
+              <a:t>	</a:t>
+            </a:r>
+            <a:r>
+              <a:rPr lang="en-US" sz="17600" dirty="0">
+                <a:solidFill>
+                  <a:srgbClr val="FF6600"/>
+                </a:solidFill>
+              </a:rPr>
+              <a:t>Dataset and Assumptions</a:t>
+            </a:r>
           </a:p>
         </p:txBody>
       </p:sp>
       <p:pic>
         <p:nvPicPr>
-          <p:cNvPr id="4" name="Picture 3">
+          <p:cNvPr id="13" name="Picture 12">
             <a:extLst>
               <a:ext uri="{FF2B5EF4-FFF2-40B4-BE49-F238E27FC236}">
-                <a16:creationId xmlns:a16="http://schemas.microsoft.com/office/drawing/2014/main" id="{7A465064-0714-5743-882B-8875105A7023}"/>
+                <a16:creationId xmlns:a16="http://schemas.microsoft.com/office/drawing/2014/main" id="{6FD3F45C-97EE-D4CA-09D3-3D614D1D2017}"/>
               </a:ext>
             </a:extLst>
           </p:cNvPr>
@@ -3403,21 +6252,15 @@
           <p:nvPr/>
         </p:nvPicPr>
         <p:blipFill>
-          <a:blip r:embed="rId2" cstate="print">
-            <a:extLst>
-              <a:ext uri="{28A0092B-C50C-407E-A947-70E740481C1C}">
-                <a14:useLocalDpi xmlns:a14="http://schemas.microsoft.com/office/drawing/2010/main" val="0"/>
-              </a:ext>
-            </a:extLst>
-          </a:blip>
+          <a:blip r:embed="rId2"/>
           <a:stretch>
             <a:fillRect/>
           </a:stretch>
         </p:blipFill>
         <p:spPr>
           <a:xfrm>
-            <a:off x="0" y="5863771"/>
-            <a:ext cx="1654627" cy="994232"/>
+            <a:off x="6708710" y="1113330"/>
+            <a:ext cx="5172695" cy="2070426"/>
           </a:xfrm>
           <a:prstGeom prst="rect">
             <a:avLst/>
@@ -3426,54 +6269,1874 @@
       </p:pic>
       <p:sp>
         <p:nvSpPr>
-          <p:cNvPr id="6" name="Subtitle 5">
+          <p:cNvPr id="14" name="TextBox 13">
             <a:extLst>
               <a:ext uri="{FF2B5EF4-FFF2-40B4-BE49-F238E27FC236}">
-                <a16:creationId xmlns:a16="http://schemas.microsoft.com/office/drawing/2014/main" id="{2D4BA697-580E-5544-8F2F-194AD99B859F}"/>
+                <a16:creationId xmlns:a16="http://schemas.microsoft.com/office/drawing/2014/main" id="{6CA05E6E-EA60-A6C8-0845-D9FAF2F9DBA3}"/>
               </a:ext>
             </a:extLst>
           </p:cNvPr>
-          <p:cNvSpPr>
-            <a:spLocks noGrp="1"/>
-          </p:cNvSpPr>
-          <p:nvPr>
-            <p:ph type="subTitle" idx="1"/>
-          </p:nvPr>
+          <p:cNvSpPr txBox="1"/>
+          <p:nvPr/>
         </p:nvSpPr>
         <p:spPr>
           <a:xfrm>
-            <a:off x="5152570" y="2481943"/>
-            <a:ext cx="5558973" cy="1655762"/>
-          </a:xfrm>
-        </p:spPr>
-        <p:txBody>
-          <a:bodyPr>
-            <a:normAutofit/>
+            <a:off x="7426954" y="3183756"/>
+            <a:ext cx="4366726" cy="369332"/>
+          </a:xfrm>
+          <a:prstGeom prst="rect">
+            <a:avLst/>
+          </a:prstGeom>
+          <a:noFill/>
+        </p:spPr>
+        <p:txBody>
+          <a:bodyPr wrap="square" rtlCol="0">
+            <a:spAutoFit/>
           </a:bodyPr>
           <a:lstStyle/>
           <a:p>
             <a:r>
-              <a:rPr lang="en-US" sz="6600" dirty="0">
-                <a:solidFill>
-                  <a:srgbClr val="FF6600"/>
-                </a:solidFill>
-              </a:rPr>
-              <a:t>Thank You</a:t>
-            </a:r>
-          </a:p>
-          <a:p>
-            <a:endParaRPr lang="en-US" sz="6600" dirty="0">
+              <a:rPr lang="en-US" dirty="0"/>
+              <a:t>Dataset split into training and testing data.</a:t>
+            </a:r>
+            <a:endParaRPr lang="en-GB" dirty="0"/>
+          </a:p>
+        </p:txBody>
+      </p:sp>
+      <p:sp>
+        <p:nvSpPr>
+          <p:cNvPr id="18" name="TextBox 17">
+            <a:extLst>
+              <a:ext uri="{FF2B5EF4-FFF2-40B4-BE49-F238E27FC236}">
+                <a16:creationId xmlns:a16="http://schemas.microsoft.com/office/drawing/2014/main" id="{D43A6381-B251-D59B-A4AF-878A320962A3}"/>
+              </a:ext>
+            </a:extLst>
+          </p:cNvPr>
+          <p:cNvSpPr txBox="1"/>
+          <p:nvPr/>
+        </p:nvSpPr>
+        <p:spPr>
+          <a:xfrm>
+            <a:off x="398320" y="1312039"/>
+            <a:ext cx="6094602" cy="2585323"/>
+          </a:xfrm>
+          <a:prstGeom prst="rect">
+            <a:avLst/>
+          </a:prstGeom>
+          <a:noFill/>
+        </p:spPr>
+        <p:txBody>
+          <a:bodyPr wrap="square">
+            <a:spAutoFit/>
+          </a:bodyPr>
+          <a:lstStyle/>
+          <a:p>
+            <a:pPr algn="l"/>
+            <a:endParaRPr lang="en-GB" sz="1800" b="0" i="0" u="none" strike="noStrike" baseline="0" dirty="0">
               <a:solidFill>
-                <a:srgbClr val="FF6600"/>
+                <a:srgbClr val="000000"/>
               </a:solidFill>
+              <a:latin typeface="Calibri" panose="020F0502020204030204" pitchFamily="34" charset="0"/>
             </a:endParaRPr>
           </a:p>
-        </p:txBody>
-      </p:sp>
+          <a:p>
+            <a:pPr marL="285750" indent="-285750">
+              <a:buFont typeface="Arial" panose="020B0604020202020204" pitchFamily="34" charset="0"/>
+              <a:buChar char="•"/>
+            </a:pPr>
+            <a:r>
+              <a:rPr lang="en-GB" sz="1800" b="0" i="0" u="none" strike="noStrike" baseline="0" dirty="0">
+                <a:solidFill>
+                  <a:srgbClr val="000000"/>
+                </a:solidFill>
+                <a:latin typeface="Calibri" panose="020F0502020204030204" pitchFamily="34" charset="0"/>
+              </a:rPr>
+              <a:t>The data is derived from real tweets. </a:t>
+            </a:r>
+          </a:p>
+          <a:p>
+            <a:pPr marL="285750" indent="-285750">
+              <a:buFont typeface="Arial" panose="020B0604020202020204" pitchFamily="34" charset="0"/>
+              <a:buChar char="•"/>
+            </a:pPr>
+            <a:r>
+              <a:rPr lang="en-GB" sz="1800" b="0" i="0" u="none" strike="noStrike" baseline="0" dirty="0">
+                <a:solidFill>
+                  <a:srgbClr val="000000"/>
+                </a:solidFill>
+                <a:latin typeface="Calibri" panose="020F0502020204030204" pitchFamily="34" charset="0"/>
+              </a:rPr>
+              <a:t>The training data is labelled correctly. </a:t>
+            </a:r>
+          </a:p>
+          <a:p>
+            <a:pPr marL="285750" indent="-285750">
+              <a:buFont typeface="Arial" panose="020B0604020202020204" pitchFamily="34" charset="0"/>
+              <a:buChar char="•"/>
+            </a:pPr>
+            <a:r>
+              <a:rPr lang="en-GB" sz="1800" b="0" i="0" u="none" strike="noStrike" baseline="0" dirty="0">
+                <a:solidFill>
+                  <a:srgbClr val="000000"/>
+                </a:solidFill>
+                <a:latin typeface="Calibri" panose="020F0502020204030204" pitchFamily="34" charset="0"/>
+              </a:rPr>
+              <a:t>The training and test data are from the same domain. </a:t>
+            </a:r>
+          </a:p>
+          <a:p>
+            <a:pPr marL="285750" indent="-285750">
+              <a:buFont typeface="Arial" panose="020B0604020202020204" pitchFamily="34" charset="0"/>
+              <a:buChar char="•"/>
+            </a:pPr>
+            <a:r>
+              <a:rPr lang="en-GB" sz="1800" b="0" i="0" u="none" strike="noStrike" baseline="0" dirty="0">
+                <a:solidFill>
+                  <a:srgbClr val="000000"/>
+                </a:solidFill>
+                <a:latin typeface="Calibri" panose="020F0502020204030204" pitchFamily="34" charset="0"/>
+              </a:rPr>
+              <a:t>The amount of hate speech compared to non-hate speech reflects the proportion on the platform (see below).. </a:t>
+            </a:r>
+          </a:p>
+          <a:p>
+            <a:pPr marL="285750" indent="-285750">
+              <a:buFont typeface="Arial" panose="020B0604020202020204" pitchFamily="34" charset="0"/>
+              <a:buChar char="•"/>
+            </a:pPr>
+            <a:r>
+              <a:rPr lang="en-GB" sz="1800" dirty="0">
+                <a:solidFill>
+                  <a:srgbClr val="000000"/>
+                </a:solidFill>
+                <a:latin typeface="Calibri" panose="020F0502020204030204" pitchFamily="34" charset="0"/>
+              </a:rPr>
+              <a:t>T</a:t>
+            </a:r>
+            <a:r>
+              <a:rPr lang="en-GB" sz="1800" b="0" i="0" u="none" strike="noStrike" baseline="0" dirty="0">
+                <a:solidFill>
+                  <a:srgbClr val="000000"/>
+                </a:solidFill>
+                <a:latin typeface="Calibri" panose="020F0502020204030204" pitchFamily="34" charset="0"/>
+              </a:rPr>
+              <a:t>weets are below the limit of 200 characters and are formatted in the same way. </a:t>
+            </a:r>
+          </a:p>
+          <a:p>
+            <a:endParaRPr lang="en-GB" dirty="0"/>
+          </a:p>
+        </p:txBody>
+      </p:sp>
+      <p:pic>
+        <p:nvPicPr>
+          <p:cNvPr id="20" name="Picture 19">
+            <a:extLst>
+              <a:ext uri="{FF2B5EF4-FFF2-40B4-BE49-F238E27FC236}">
+                <a16:creationId xmlns:a16="http://schemas.microsoft.com/office/drawing/2014/main" id="{F8CCF954-3F7F-CA8D-A61C-534173BC559C}"/>
+              </a:ext>
+            </a:extLst>
+          </p:cNvPr>
+          <p:cNvPicPr>
+            <a:picLocks noChangeAspect="1"/>
+          </p:cNvPicPr>
+          <p:nvPr/>
+        </p:nvPicPr>
+        <p:blipFill>
+          <a:blip r:embed="rId3"/>
+          <a:stretch>
+            <a:fillRect/>
+          </a:stretch>
+        </p:blipFill>
+        <p:spPr>
+          <a:xfrm>
+            <a:off x="497184" y="4165105"/>
+            <a:ext cx="6801799" cy="2038635"/>
+          </a:xfrm>
+          <a:prstGeom prst="rect">
+            <a:avLst/>
+          </a:prstGeom>
+        </p:spPr>
+      </p:pic>
     </p:spTree>
     <p:extLst>
       <p:ext uri="{BB962C8B-B14F-4D97-AF65-F5344CB8AC3E}">
-        <p14:creationId xmlns:p14="http://schemas.microsoft.com/office/powerpoint/2010/main" val="116821060"/>
+        <p14:creationId xmlns:p14="http://schemas.microsoft.com/office/powerpoint/2010/main" val="3776570064"/>
+      </p:ext>
+    </p:extLst>
+  </p:cSld>
+  <p:clrMapOvr>
+    <a:masterClrMapping/>
+  </p:clrMapOvr>
+</p:sld>
+</file>
+
+<file path=ppt/slides/slide5.xml><?xml version="1.0" encoding="utf-8"?>
+<p:sld xmlns:a="http://schemas.openxmlformats.org/drawingml/2006/main" xmlns:r="http://schemas.openxmlformats.org/officeDocument/2006/relationships" xmlns:p="http://schemas.openxmlformats.org/presentationml/2006/main">
+  <p:cSld>
+    <p:spTree>
+      <p:nvGrpSpPr>
+        <p:cNvPr id="1" name=""/>
+        <p:cNvGrpSpPr/>
+        <p:nvPr/>
+      </p:nvGrpSpPr>
+      <p:grpSpPr>
+        <a:xfrm>
+          <a:off x="0" y="0"/>
+          <a:ext cx="0" cy="0"/>
+          <a:chOff x="0" y="0"/>
+          <a:chExt cx="0" cy="0"/>
+        </a:xfrm>
+      </p:grpSpPr>
+      <p:sp>
+        <p:nvSpPr>
+          <p:cNvPr id="6" name="Title 1">
+            <a:extLst>
+              <a:ext uri="{FF2B5EF4-FFF2-40B4-BE49-F238E27FC236}">
+                <a16:creationId xmlns:a16="http://schemas.microsoft.com/office/drawing/2014/main" id="{8DEBE404-8654-ABEC-F427-CB3B2BB758E7}"/>
+              </a:ext>
+            </a:extLst>
+          </p:cNvPr>
+          <p:cNvSpPr txBox="1">
+            <a:spLocks/>
+          </p:cNvSpPr>
+          <p:nvPr/>
+        </p:nvSpPr>
+        <p:spPr>
+          <a:xfrm rot="5400000">
+            <a:off x="5567492" y="-5567495"/>
+            <a:ext cx="1057013" cy="12192003"/>
+          </a:xfrm>
+          <a:prstGeom prst="rect">
+            <a:avLst/>
+          </a:prstGeom>
+          <a:solidFill>
+            <a:srgbClr val="3B3B3B"/>
+          </a:solidFill>
+        </p:spPr>
+        <p:txBody>
+          <a:bodyPr vert="vert270" lIns="91440" tIns="45720" rIns="91440" bIns="45720" rtlCol="0" anchor="t" anchorCtr="0">
+            <a:normAutofit fontScale="25000" lnSpcReduction="20000"/>
+          </a:bodyPr>
+          <a:lstStyle>
+            <a:lvl1pPr algn="l" defTabSz="914400" rtl="0" eaLnBrk="1" latinLnBrk="0" hangingPunct="1">
+              <a:lnSpc>
+                <a:spcPct val="90000"/>
+              </a:lnSpc>
+              <a:spcBef>
+                <a:spcPct val="0"/>
+              </a:spcBef>
+              <a:buNone/>
+              <a:defRPr sz="4400" kern="1200">
+                <a:solidFill>
+                  <a:schemeClr val="tx1"/>
+                </a:solidFill>
+                <a:latin typeface="+mj-lt"/>
+                <a:ea typeface="+mj-ea"/>
+                <a:cs typeface="+mj-cs"/>
+              </a:defRPr>
+            </a:lvl1pPr>
+          </a:lstStyle>
+          <a:p>
+            <a:br>
+              <a:rPr lang="en-US" dirty="0"/>
+            </a:br>
+            <a:br>
+              <a:rPr lang="en-US" dirty="0"/>
+            </a:br>
+            <a:br>
+              <a:rPr lang="en-US" dirty="0"/>
+            </a:br>
+            <a:r>
+              <a:rPr lang="en-US" dirty="0"/>
+              <a:t>	</a:t>
+            </a:r>
+            <a:r>
+              <a:rPr lang="en-US" sz="17600" dirty="0">
+                <a:solidFill>
+                  <a:srgbClr val="FF6600"/>
+                </a:solidFill>
+              </a:rPr>
+              <a:t>Data Pre-processing</a:t>
+            </a:r>
+          </a:p>
+        </p:txBody>
+      </p:sp>
+      <p:sp>
+        <p:nvSpPr>
+          <p:cNvPr id="18" name="TextBox 17">
+            <a:extLst>
+              <a:ext uri="{FF2B5EF4-FFF2-40B4-BE49-F238E27FC236}">
+                <a16:creationId xmlns:a16="http://schemas.microsoft.com/office/drawing/2014/main" id="{D43A6381-B251-D59B-A4AF-878A320962A3}"/>
+              </a:ext>
+            </a:extLst>
+          </p:cNvPr>
+          <p:cNvSpPr txBox="1"/>
+          <p:nvPr/>
+        </p:nvSpPr>
+        <p:spPr>
+          <a:xfrm>
+            <a:off x="373153" y="1312039"/>
+            <a:ext cx="6094602" cy="3693319"/>
+          </a:xfrm>
+          <a:prstGeom prst="rect">
+            <a:avLst/>
+          </a:prstGeom>
+          <a:noFill/>
+        </p:spPr>
+        <p:txBody>
+          <a:bodyPr wrap="square">
+            <a:spAutoFit/>
+          </a:bodyPr>
+          <a:lstStyle/>
+          <a:p>
+            <a:pPr algn="l"/>
+            <a:r>
+              <a:rPr lang="en-GB" sz="1800" b="0" i="0" u="none" strike="noStrike" baseline="0" dirty="0">
+                <a:solidFill>
+                  <a:srgbClr val="000000"/>
+                </a:solidFill>
+                <a:latin typeface="Calibri" panose="020F0502020204030204" pitchFamily="34" charset="0"/>
+              </a:rPr>
+              <a:t>Column Validation</a:t>
+            </a:r>
+          </a:p>
+          <a:p>
+            <a:pPr marL="285750" indent="-285750">
+              <a:buFont typeface="Arial" panose="020B0604020202020204" pitchFamily="34" charset="0"/>
+              <a:buChar char="•"/>
+            </a:pPr>
+            <a:r>
+              <a:rPr lang="en-GB" sz="1800" b="0" i="0" u="none" strike="noStrike" baseline="0" dirty="0">
+                <a:solidFill>
+                  <a:srgbClr val="000000"/>
+                </a:solidFill>
+                <a:latin typeface="Calibri" panose="020F0502020204030204" pitchFamily="34" charset="0"/>
+              </a:rPr>
+              <a:t>Standardise Column Names</a:t>
+            </a:r>
+          </a:p>
+          <a:p>
+            <a:pPr marL="742950" lvl="1" indent="-285750">
+              <a:buFont typeface="Arial" panose="020B0604020202020204" pitchFamily="34" charset="0"/>
+              <a:buChar char="•"/>
+            </a:pPr>
+            <a:r>
+              <a:rPr lang="en-GB" b="0" i="0" u="none" strike="noStrike" baseline="0" dirty="0">
+                <a:solidFill>
+                  <a:srgbClr val="000000"/>
+                </a:solidFill>
+                <a:latin typeface="Calibri" panose="020F0502020204030204" pitchFamily="34" charset="0"/>
+              </a:rPr>
+              <a:t>Lowercase</a:t>
+            </a:r>
+          </a:p>
+          <a:p>
+            <a:pPr marL="742950" lvl="1" indent="-285750">
+              <a:buFont typeface="Arial" panose="020B0604020202020204" pitchFamily="34" charset="0"/>
+              <a:buChar char="•"/>
+            </a:pPr>
+            <a:r>
+              <a:rPr lang="en-GB" dirty="0">
+                <a:solidFill>
+                  <a:srgbClr val="000000"/>
+                </a:solidFill>
+                <a:latin typeface="Calibri" panose="020F0502020204030204" pitchFamily="34" charset="0"/>
+              </a:rPr>
+              <a:t>Replace spaces with underscores</a:t>
+            </a:r>
+          </a:p>
+          <a:p>
+            <a:pPr marL="285750" indent="-285750">
+              <a:buFont typeface="Arial" panose="020B0604020202020204" pitchFamily="34" charset="0"/>
+              <a:buChar char="•"/>
+            </a:pPr>
+            <a:r>
+              <a:rPr lang="en-GB" b="0" i="0" u="none" strike="noStrike" baseline="0" dirty="0">
+                <a:solidFill>
+                  <a:srgbClr val="000000"/>
+                </a:solidFill>
+                <a:latin typeface="Calibri" panose="020F0502020204030204" pitchFamily="34" charset="0"/>
+              </a:rPr>
+              <a:t>Remove duplicate tweets</a:t>
+            </a:r>
+          </a:p>
+          <a:p>
+            <a:pPr marL="285750" indent="-285750">
+              <a:buFont typeface="Arial" panose="020B0604020202020204" pitchFamily="34" charset="0"/>
+              <a:buChar char="•"/>
+            </a:pPr>
+            <a:r>
+              <a:rPr lang="en-GB" dirty="0">
+                <a:solidFill>
+                  <a:srgbClr val="000000"/>
+                </a:solidFill>
+                <a:latin typeface="Calibri" panose="020F0502020204030204" pitchFamily="34" charset="0"/>
+              </a:rPr>
+              <a:t>Remove null tweets</a:t>
+            </a:r>
+          </a:p>
+          <a:p>
+            <a:pPr marL="285750" indent="-285750">
+              <a:buFont typeface="Arial" panose="020B0604020202020204" pitchFamily="34" charset="0"/>
+              <a:buChar char="•"/>
+            </a:pPr>
+            <a:r>
+              <a:rPr lang="en-GB" dirty="0">
+                <a:solidFill>
+                  <a:srgbClr val="000000"/>
+                </a:solidFill>
+                <a:latin typeface="Calibri" panose="020F0502020204030204" pitchFamily="34" charset="0"/>
+              </a:rPr>
+              <a:t>Remove unlabelled training data</a:t>
+            </a:r>
+          </a:p>
+          <a:p>
+            <a:pPr marL="285750" indent="-285750">
+              <a:buFont typeface="Arial" panose="020B0604020202020204" pitchFamily="34" charset="0"/>
+              <a:buChar char="•"/>
+            </a:pPr>
+            <a:r>
+              <a:rPr lang="en-GB" dirty="0">
+                <a:solidFill>
+                  <a:srgbClr val="000000"/>
+                </a:solidFill>
+                <a:latin typeface="Calibri" panose="020F0502020204030204" pitchFamily="34" charset="0"/>
+              </a:rPr>
+              <a:t>Remove null and duplicate indexes</a:t>
+            </a:r>
+            <a:endParaRPr lang="en-GB" b="0" i="0" u="none" strike="noStrike" baseline="0" dirty="0">
+              <a:solidFill>
+                <a:srgbClr val="000000"/>
+              </a:solidFill>
+              <a:latin typeface="Calibri" panose="020F0502020204030204" pitchFamily="34" charset="0"/>
+            </a:endParaRPr>
+          </a:p>
+          <a:p>
+            <a:endParaRPr lang="en-GB" dirty="0"/>
+          </a:p>
+          <a:p>
+            <a:r>
+              <a:rPr lang="en-GB" dirty="0"/>
+              <a:t>Up sampling </a:t>
+            </a:r>
+          </a:p>
+          <a:p>
+            <a:pPr marL="285750" indent="-285750">
+              <a:buFont typeface="Arial" panose="020B0604020202020204" pitchFamily="34" charset="0"/>
+              <a:buChar char="•"/>
+            </a:pPr>
+            <a:r>
+              <a:rPr lang="en-GB" dirty="0"/>
+              <a:t>Make number of samples labelled ‘0’ and ‘1’ same.</a:t>
+            </a:r>
+          </a:p>
+          <a:p>
+            <a:pPr marL="285750" indent="-285750">
+              <a:buFont typeface="Arial" panose="020B0604020202020204" pitchFamily="34" charset="0"/>
+              <a:buChar char="•"/>
+            </a:pPr>
+            <a:r>
+              <a:rPr lang="en-GB" dirty="0"/>
+              <a:t>Reduces bias towards randomly guessing ‘0’.</a:t>
+            </a:r>
+          </a:p>
+          <a:p>
+            <a:pPr marL="285750" indent="-285750">
+              <a:buFont typeface="Arial" panose="020B0604020202020204" pitchFamily="34" charset="0"/>
+              <a:buChar char="•"/>
+            </a:pPr>
+            <a:r>
+              <a:rPr lang="en-GB" dirty="0"/>
+              <a:t>Lowers false negatives. </a:t>
+            </a:r>
+          </a:p>
+        </p:txBody>
+      </p:sp>
+      <p:pic>
+        <p:nvPicPr>
+          <p:cNvPr id="3" name="Picture 2">
+            <a:extLst>
+              <a:ext uri="{FF2B5EF4-FFF2-40B4-BE49-F238E27FC236}">
+                <a16:creationId xmlns:a16="http://schemas.microsoft.com/office/drawing/2014/main" id="{6F1F5457-72EA-6971-BC5F-3A73DE38EA81}"/>
+              </a:ext>
+            </a:extLst>
+          </p:cNvPr>
+          <p:cNvPicPr>
+            <a:picLocks noChangeAspect="1"/>
+          </p:cNvPicPr>
+          <p:nvPr/>
+        </p:nvPicPr>
+        <p:blipFill>
+          <a:blip r:embed="rId2"/>
+          <a:stretch>
+            <a:fillRect/>
+          </a:stretch>
+        </p:blipFill>
+        <p:spPr>
+          <a:xfrm>
+            <a:off x="5366062" y="1360445"/>
+            <a:ext cx="2924583" cy="2343477"/>
+          </a:xfrm>
+          <a:prstGeom prst="rect">
+            <a:avLst/>
+          </a:prstGeom>
+        </p:spPr>
+      </p:pic>
+      <p:pic>
+        <p:nvPicPr>
+          <p:cNvPr id="5" name="Picture 4">
+            <a:extLst>
+              <a:ext uri="{FF2B5EF4-FFF2-40B4-BE49-F238E27FC236}">
+                <a16:creationId xmlns:a16="http://schemas.microsoft.com/office/drawing/2014/main" id="{835F7072-17C7-3EFC-832F-C1CE4597BC71}"/>
+              </a:ext>
+            </a:extLst>
+          </p:cNvPr>
+          <p:cNvPicPr>
+            <a:picLocks noChangeAspect="1"/>
+          </p:cNvPicPr>
+          <p:nvPr/>
+        </p:nvPicPr>
+        <p:blipFill>
+          <a:blip r:embed="rId3"/>
+          <a:stretch>
+            <a:fillRect/>
+          </a:stretch>
+        </p:blipFill>
+        <p:spPr>
+          <a:xfrm>
+            <a:off x="8366336" y="1360445"/>
+            <a:ext cx="3161201" cy="2343477"/>
+          </a:xfrm>
+          <a:prstGeom prst="rect">
+            <a:avLst/>
+          </a:prstGeom>
+        </p:spPr>
+      </p:pic>
+      <p:pic>
+        <p:nvPicPr>
+          <p:cNvPr id="8" name="Picture 7">
+            <a:extLst>
+              <a:ext uri="{FF2B5EF4-FFF2-40B4-BE49-F238E27FC236}">
+                <a16:creationId xmlns:a16="http://schemas.microsoft.com/office/drawing/2014/main" id="{F9D3B490-A1BD-0DA0-CD36-C6046A55CE84}"/>
+              </a:ext>
+            </a:extLst>
+          </p:cNvPr>
+          <p:cNvPicPr>
+            <a:picLocks noChangeAspect="1"/>
+          </p:cNvPicPr>
+          <p:nvPr/>
+        </p:nvPicPr>
+        <p:blipFill>
+          <a:blip r:embed="rId4"/>
+          <a:stretch>
+            <a:fillRect/>
+          </a:stretch>
+        </p:blipFill>
+        <p:spPr>
+          <a:xfrm>
+            <a:off x="3141520" y="4855515"/>
+            <a:ext cx="1971950" cy="809738"/>
+          </a:xfrm>
+          <a:prstGeom prst="rect">
+            <a:avLst/>
+          </a:prstGeom>
+        </p:spPr>
+      </p:pic>
+    </p:spTree>
+    <p:extLst>
+      <p:ext uri="{BB962C8B-B14F-4D97-AF65-F5344CB8AC3E}">
+        <p14:creationId xmlns:p14="http://schemas.microsoft.com/office/powerpoint/2010/main" val="3997319624"/>
+      </p:ext>
+    </p:extLst>
+  </p:cSld>
+  <p:clrMapOvr>
+    <a:masterClrMapping/>
+  </p:clrMapOvr>
+</p:sld>
+</file>
+
+<file path=ppt/slides/slide6.xml><?xml version="1.0" encoding="utf-8"?>
+<p:sld xmlns:a="http://schemas.openxmlformats.org/drawingml/2006/main" xmlns:r="http://schemas.openxmlformats.org/officeDocument/2006/relationships" xmlns:p="http://schemas.openxmlformats.org/presentationml/2006/main">
+  <p:cSld>
+    <p:spTree>
+      <p:nvGrpSpPr>
+        <p:cNvPr id="1" name=""/>
+        <p:cNvGrpSpPr/>
+        <p:nvPr/>
+      </p:nvGrpSpPr>
+      <p:grpSpPr>
+        <a:xfrm>
+          <a:off x="0" y="0"/>
+          <a:ext cx="0" cy="0"/>
+          <a:chOff x="0" y="0"/>
+          <a:chExt cx="0" cy="0"/>
+        </a:xfrm>
+      </p:grpSpPr>
+      <p:sp>
+        <p:nvSpPr>
+          <p:cNvPr id="6" name="Title 1">
+            <a:extLst>
+              <a:ext uri="{FF2B5EF4-FFF2-40B4-BE49-F238E27FC236}">
+                <a16:creationId xmlns:a16="http://schemas.microsoft.com/office/drawing/2014/main" id="{8DEBE404-8654-ABEC-F427-CB3B2BB758E7}"/>
+              </a:ext>
+            </a:extLst>
+          </p:cNvPr>
+          <p:cNvSpPr txBox="1">
+            <a:spLocks/>
+          </p:cNvSpPr>
+          <p:nvPr/>
+        </p:nvSpPr>
+        <p:spPr>
+          <a:xfrm rot="5400000">
+            <a:off x="5567492" y="-5567495"/>
+            <a:ext cx="1057013" cy="12192003"/>
+          </a:xfrm>
+          <a:prstGeom prst="rect">
+            <a:avLst/>
+          </a:prstGeom>
+          <a:solidFill>
+            <a:srgbClr val="3B3B3B"/>
+          </a:solidFill>
+        </p:spPr>
+        <p:txBody>
+          <a:bodyPr vert="vert270" lIns="91440" tIns="45720" rIns="91440" bIns="45720" rtlCol="0" anchor="t" anchorCtr="0">
+            <a:normAutofit fontScale="25000" lnSpcReduction="20000"/>
+          </a:bodyPr>
+          <a:lstStyle>
+            <a:lvl1pPr algn="l" defTabSz="914400" rtl="0" eaLnBrk="1" latinLnBrk="0" hangingPunct="1">
+              <a:lnSpc>
+                <a:spcPct val="90000"/>
+              </a:lnSpc>
+              <a:spcBef>
+                <a:spcPct val="0"/>
+              </a:spcBef>
+              <a:buNone/>
+              <a:defRPr sz="4400" kern="1200">
+                <a:solidFill>
+                  <a:schemeClr val="tx1"/>
+                </a:solidFill>
+                <a:latin typeface="+mj-lt"/>
+                <a:ea typeface="+mj-ea"/>
+                <a:cs typeface="+mj-cs"/>
+              </a:defRPr>
+            </a:lvl1pPr>
+          </a:lstStyle>
+          <a:p>
+            <a:br>
+              <a:rPr lang="en-US" dirty="0"/>
+            </a:br>
+            <a:br>
+              <a:rPr lang="en-US" dirty="0"/>
+            </a:br>
+            <a:br>
+              <a:rPr lang="en-US" dirty="0"/>
+            </a:br>
+            <a:r>
+              <a:rPr lang="en-US" dirty="0"/>
+              <a:t>	</a:t>
+            </a:r>
+            <a:r>
+              <a:rPr lang="en-US" sz="17600" dirty="0">
+                <a:solidFill>
+                  <a:srgbClr val="FF6600"/>
+                </a:solidFill>
+              </a:rPr>
+              <a:t>Data Cleaning</a:t>
+            </a:r>
+          </a:p>
+        </p:txBody>
+      </p:sp>
+      <p:sp>
+        <p:nvSpPr>
+          <p:cNvPr id="18" name="TextBox 17">
+            <a:extLst>
+              <a:ext uri="{FF2B5EF4-FFF2-40B4-BE49-F238E27FC236}">
+                <a16:creationId xmlns:a16="http://schemas.microsoft.com/office/drawing/2014/main" id="{D43A6381-B251-D59B-A4AF-878A320962A3}"/>
+              </a:ext>
+            </a:extLst>
+          </p:cNvPr>
+          <p:cNvSpPr txBox="1"/>
+          <p:nvPr/>
+        </p:nvSpPr>
+        <p:spPr>
+          <a:xfrm>
+            <a:off x="373153" y="1312039"/>
+            <a:ext cx="6094602" cy="4524315"/>
+          </a:xfrm>
+          <a:prstGeom prst="rect">
+            <a:avLst/>
+          </a:prstGeom>
+          <a:noFill/>
+        </p:spPr>
+        <p:txBody>
+          <a:bodyPr wrap="square">
+            <a:spAutoFit/>
+          </a:bodyPr>
+          <a:lstStyle/>
+          <a:p>
+            <a:pPr algn="l"/>
+            <a:r>
+              <a:rPr lang="en-US" dirty="0">
+                <a:solidFill>
+                  <a:srgbClr val="000000"/>
+                </a:solidFill>
+                <a:latin typeface="Calibri" panose="020F0502020204030204" pitchFamily="34" charset="0"/>
+              </a:rPr>
+              <a:t>D</a:t>
+            </a:r>
+            <a:r>
+              <a:rPr lang="en-GB" dirty="0" err="1">
+                <a:solidFill>
+                  <a:srgbClr val="000000"/>
+                </a:solidFill>
+                <a:latin typeface="Calibri" panose="020F0502020204030204" pitchFamily="34" charset="0"/>
+              </a:rPr>
+              <a:t>ata</a:t>
+            </a:r>
+            <a:r>
+              <a:rPr lang="en-GB" dirty="0">
+                <a:solidFill>
+                  <a:srgbClr val="000000"/>
+                </a:solidFill>
+                <a:latin typeface="Calibri" panose="020F0502020204030204" pitchFamily="34" charset="0"/>
+              </a:rPr>
+              <a:t> Cleaning (remove extra noise)</a:t>
+            </a:r>
+          </a:p>
+          <a:p>
+            <a:pPr marL="285750" indent="-285750" algn="l">
+              <a:buFont typeface="Arial" panose="020B0604020202020204" pitchFamily="34" charset="0"/>
+              <a:buChar char="•"/>
+            </a:pPr>
+            <a:r>
+              <a:rPr lang="en-GB" dirty="0">
+                <a:solidFill>
+                  <a:srgbClr val="000000"/>
+                </a:solidFill>
+                <a:latin typeface="Calibri" panose="020F0502020204030204" pitchFamily="34" charset="0"/>
+              </a:rPr>
+              <a:t>Make all tweet words lowercase</a:t>
+            </a:r>
+          </a:p>
+          <a:p>
+            <a:pPr marL="285750" indent="-285750" algn="l">
+              <a:buFont typeface="Arial" panose="020B0604020202020204" pitchFamily="34" charset="0"/>
+              <a:buChar char="•"/>
+            </a:pPr>
+            <a:r>
+              <a:rPr lang="en-GB" dirty="0">
+                <a:solidFill>
+                  <a:srgbClr val="000000"/>
+                </a:solidFill>
+                <a:latin typeface="Calibri" panose="020F0502020204030204" pitchFamily="34" charset="0"/>
+              </a:rPr>
+              <a:t>Remove punctuation</a:t>
+            </a:r>
+          </a:p>
+          <a:p>
+            <a:pPr marL="285750" indent="-285750" algn="l">
+              <a:buFont typeface="Arial" panose="020B0604020202020204" pitchFamily="34" charset="0"/>
+              <a:buChar char="•"/>
+            </a:pPr>
+            <a:r>
+              <a:rPr lang="en-GB" dirty="0">
+                <a:solidFill>
+                  <a:srgbClr val="000000"/>
+                </a:solidFill>
+                <a:latin typeface="Calibri" panose="020F0502020204030204" pitchFamily="34" charset="0"/>
+              </a:rPr>
+              <a:t>Remove stop words (common words that add no information e.g., ‘the’, ‘and’, ‘a’, ‘I’)</a:t>
+            </a:r>
+          </a:p>
+          <a:p>
+            <a:pPr marL="285750" indent="-285750" algn="l">
+              <a:buFont typeface="Arial" panose="020B0604020202020204" pitchFamily="34" charset="0"/>
+              <a:buChar char="•"/>
+            </a:pPr>
+            <a:endParaRPr lang="en-GB" dirty="0">
+              <a:solidFill>
+                <a:srgbClr val="000000"/>
+              </a:solidFill>
+              <a:latin typeface="Calibri" panose="020F0502020204030204" pitchFamily="34" charset="0"/>
+            </a:endParaRPr>
+          </a:p>
+          <a:p>
+            <a:pPr algn="l"/>
+            <a:r>
+              <a:rPr lang="en-GB" dirty="0">
+                <a:solidFill>
+                  <a:srgbClr val="000000"/>
+                </a:solidFill>
+                <a:latin typeface="Calibri" panose="020F0502020204030204" pitchFamily="34" charset="0"/>
+              </a:rPr>
+              <a:t>Remove common and rare words and symbols. </a:t>
+            </a:r>
+          </a:p>
+          <a:p>
+            <a:pPr marL="285750" indent="-285750" algn="l">
+              <a:buFont typeface="Arial" panose="020B0604020202020204" pitchFamily="34" charset="0"/>
+              <a:buChar char="•"/>
+            </a:pPr>
+            <a:r>
+              <a:rPr lang="en-GB" dirty="0">
+                <a:solidFill>
+                  <a:srgbClr val="000000"/>
+                </a:solidFill>
+                <a:latin typeface="Calibri" panose="020F0502020204030204" pitchFamily="34" charset="0"/>
+              </a:rPr>
+              <a:t>Common words show up too often. </a:t>
+            </a:r>
+          </a:p>
+          <a:p>
+            <a:pPr marL="742950" lvl="1" indent="-285750">
+              <a:buFont typeface="Arial" panose="020B0604020202020204" pitchFamily="34" charset="0"/>
+              <a:buChar char="•"/>
+            </a:pPr>
+            <a:r>
+              <a:rPr lang="en-GB" dirty="0">
+                <a:solidFill>
+                  <a:srgbClr val="000000"/>
+                </a:solidFill>
+                <a:latin typeface="Calibri" panose="020F0502020204030204" pitchFamily="34" charset="0"/>
+              </a:rPr>
+              <a:t>Add extra dimensionality.</a:t>
+            </a:r>
+          </a:p>
+          <a:p>
+            <a:pPr marL="742950" lvl="1" indent="-285750">
+              <a:buFont typeface="Arial" panose="020B0604020202020204" pitchFamily="34" charset="0"/>
+              <a:buChar char="•"/>
+            </a:pPr>
+            <a:r>
+              <a:rPr lang="en-GB" dirty="0">
+                <a:solidFill>
+                  <a:srgbClr val="000000"/>
+                </a:solidFill>
+                <a:latin typeface="Calibri" panose="020F0502020204030204" pitchFamily="34" charset="0"/>
+              </a:rPr>
+              <a:t>Don’t contain any information used for classification</a:t>
+            </a:r>
+          </a:p>
+          <a:p>
+            <a:pPr marL="285750" indent="-285750">
+              <a:buFont typeface="Arial" panose="020B0604020202020204" pitchFamily="34" charset="0"/>
+              <a:buChar char="•"/>
+            </a:pPr>
+            <a:r>
+              <a:rPr lang="en-GB" dirty="0">
+                <a:solidFill>
+                  <a:srgbClr val="000000"/>
+                </a:solidFill>
+                <a:latin typeface="Calibri" panose="020F0502020204030204" pitchFamily="34" charset="0"/>
+              </a:rPr>
+              <a:t>Rare words don’t have great enough sample size.</a:t>
+            </a:r>
+          </a:p>
+          <a:p>
+            <a:pPr marL="742950" lvl="1" indent="-285750">
+              <a:buFont typeface="Arial" panose="020B0604020202020204" pitchFamily="34" charset="0"/>
+              <a:buChar char="•"/>
+            </a:pPr>
+            <a:r>
+              <a:rPr lang="en-GB" dirty="0">
+                <a:solidFill>
+                  <a:srgbClr val="000000"/>
+                </a:solidFill>
+                <a:latin typeface="Calibri" panose="020F0502020204030204" pitchFamily="34" charset="0"/>
+              </a:rPr>
+              <a:t>Overfitting to model</a:t>
+            </a:r>
+          </a:p>
+          <a:p>
+            <a:pPr marL="742950" lvl="1" indent="-285750">
+              <a:buFont typeface="Arial" panose="020B0604020202020204" pitchFamily="34" charset="0"/>
+              <a:buChar char="•"/>
+            </a:pPr>
+            <a:r>
+              <a:rPr lang="en-GB" dirty="0">
+                <a:solidFill>
+                  <a:srgbClr val="000000"/>
+                </a:solidFill>
+                <a:latin typeface="Calibri" panose="020F0502020204030204" pitchFamily="34" charset="0"/>
+              </a:rPr>
+              <a:t>Add extra dimensionality</a:t>
+            </a:r>
+          </a:p>
+          <a:p>
+            <a:pPr marL="742950" lvl="1" indent="-285750">
+              <a:buFont typeface="Arial" panose="020B0604020202020204" pitchFamily="34" charset="0"/>
+              <a:buChar char="•"/>
+            </a:pPr>
+            <a:r>
+              <a:rPr lang="en-GB" dirty="0">
+                <a:solidFill>
+                  <a:srgbClr val="000000"/>
+                </a:solidFill>
+                <a:latin typeface="Calibri" panose="020F0502020204030204" pitchFamily="34" charset="0"/>
+              </a:rPr>
+              <a:t>Around 200 tokens which only show up once in dataset. </a:t>
+            </a:r>
+          </a:p>
+          <a:p>
+            <a:pPr algn="l"/>
+            <a:endParaRPr lang="en-GB" dirty="0"/>
+          </a:p>
+        </p:txBody>
+      </p:sp>
+      <p:pic>
+        <p:nvPicPr>
+          <p:cNvPr id="4" name="Picture 3">
+            <a:extLst>
+              <a:ext uri="{FF2B5EF4-FFF2-40B4-BE49-F238E27FC236}">
+                <a16:creationId xmlns:a16="http://schemas.microsoft.com/office/drawing/2014/main" id="{59F808EC-6480-D96F-9D6D-1B3F96575FB6}"/>
+              </a:ext>
+            </a:extLst>
+          </p:cNvPr>
+          <p:cNvPicPr>
+            <a:picLocks noChangeAspect="1"/>
+          </p:cNvPicPr>
+          <p:nvPr/>
+        </p:nvPicPr>
+        <p:blipFill>
+          <a:blip r:embed="rId2"/>
+          <a:stretch>
+            <a:fillRect/>
+          </a:stretch>
+        </p:blipFill>
+        <p:spPr>
+          <a:xfrm>
+            <a:off x="6303962" y="2994065"/>
+            <a:ext cx="2067213" cy="1143160"/>
+          </a:xfrm>
+          <a:prstGeom prst="rect">
+            <a:avLst/>
+          </a:prstGeom>
+        </p:spPr>
+      </p:pic>
+    </p:spTree>
+    <p:extLst>
+      <p:ext uri="{BB962C8B-B14F-4D97-AF65-F5344CB8AC3E}">
+        <p14:creationId xmlns:p14="http://schemas.microsoft.com/office/powerpoint/2010/main" val="3497919219"/>
+      </p:ext>
+    </p:extLst>
+  </p:cSld>
+  <p:clrMapOvr>
+    <a:masterClrMapping/>
+  </p:clrMapOvr>
+</p:sld>
+</file>
+
+<file path=ppt/slides/slide7.xml><?xml version="1.0" encoding="utf-8"?>
+<p:sld xmlns:a="http://schemas.openxmlformats.org/drawingml/2006/main" xmlns:r="http://schemas.openxmlformats.org/officeDocument/2006/relationships" xmlns:p="http://schemas.openxmlformats.org/presentationml/2006/main">
+  <p:cSld>
+    <p:spTree>
+      <p:nvGrpSpPr>
+        <p:cNvPr id="1" name=""/>
+        <p:cNvGrpSpPr/>
+        <p:nvPr/>
+      </p:nvGrpSpPr>
+      <p:grpSpPr>
+        <a:xfrm>
+          <a:off x="0" y="0"/>
+          <a:ext cx="0" cy="0"/>
+          <a:chOff x="0" y="0"/>
+          <a:chExt cx="0" cy="0"/>
+        </a:xfrm>
+      </p:grpSpPr>
+      <p:sp>
+        <p:nvSpPr>
+          <p:cNvPr id="6" name="Title 1">
+            <a:extLst>
+              <a:ext uri="{FF2B5EF4-FFF2-40B4-BE49-F238E27FC236}">
+                <a16:creationId xmlns:a16="http://schemas.microsoft.com/office/drawing/2014/main" id="{8DEBE404-8654-ABEC-F427-CB3B2BB758E7}"/>
+              </a:ext>
+            </a:extLst>
+          </p:cNvPr>
+          <p:cNvSpPr txBox="1">
+            <a:spLocks/>
+          </p:cNvSpPr>
+          <p:nvPr/>
+        </p:nvSpPr>
+        <p:spPr>
+          <a:xfrm rot="5400000">
+            <a:off x="5567492" y="-5567495"/>
+            <a:ext cx="1057013" cy="12192003"/>
+          </a:xfrm>
+          <a:prstGeom prst="rect">
+            <a:avLst/>
+          </a:prstGeom>
+          <a:solidFill>
+            <a:srgbClr val="3B3B3B"/>
+          </a:solidFill>
+        </p:spPr>
+        <p:txBody>
+          <a:bodyPr vert="vert270" lIns="91440" tIns="45720" rIns="91440" bIns="45720" rtlCol="0" anchor="t" anchorCtr="0">
+            <a:normAutofit fontScale="25000" lnSpcReduction="20000"/>
+          </a:bodyPr>
+          <a:lstStyle>
+            <a:lvl1pPr algn="l" defTabSz="914400" rtl="0" eaLnBrk="1" latinLnBrk="0" hangingPunct="1">
+              <a:lnSpc>
+                <a:spcPct val="90000"/>
+              </a:lnSpc>
+              <a:spcBef>
+                <a:spcPct val="0"/>
+              </a:spcBef>
+              <a:buNone/>
+              <a:defRPr sz="4400" kern="1200">
+                <a:solidFill>
+                  <a:schemeClr val="tx1"/>
+                </a:solidFill>
+                <a:latin typeface="+mj-lt"/>
+                <a:ea typeface="+mj-ea"/>
+                <a:cs typeface="+mj-cs"/>
+              </a:defRPr>
+            </a:lvl1pPr>
+          </a:lstStyle>
+          <a:p>
+            <a:br>
+              <a:rPr lang="en-US" dirty="0"/>
+            </a:br>
+            <a:br>
+              <a:rPr lang="en-US" dirty="0"/>
+            </a:br>
+            <a:br>
+              <a:rPr lang="en-US" dirty="0"/>
+            </a:br>
+            <a:r>
+              <a:rPr lang="en-US" dirty="0"/>
+              <a:t>	</a:t>
+            </a:r>
+            <a:r>
+              <a:rPr lang="en-US" sz="17600" dirty="0">
+                <a:solidFill>
+                  <a:srgbClr val="FF6600"/>
+                </a:solidFill>
+              </a:rPr>
+              <a:t>Optional Data Cleaning</a:t>
+            </a:r>
+          </a:p>
+        </p:txBody>
+      </p:sp>
+      <p:sp>
+        <p:nvSpPr>
+          <p:cNvPr id="18" name="TextBox 17">
+            <a:extLst>
+              <a:ext uri="{FF2B5EF4-FFF2-40B4-BE49-F238E27FC236}">
+                <a16:creationId xmlns:a16="http://schemas.microsoft.com/office/drawing/2014/main" id="{D43A6381-B251-D59B-A4AF-878A320962A3}"/>
+              </a:ext>
+            </a:extLst>
+          </p:cNvPr>
+          <p:cNvSpPr txBox="1"/>
+          <p:nvPr/>
+        </p:nvSpPr>
+        <p:spPr>
+          <a:xfrm>
+            <a:off x="373153" y="1312039"/>
+            <a:ext cx="6547764" cy="5355312"/>
+          </a:xfrm>
+          <a:prstGeom prst="rect">
+            <a:avLst/>
+          </a:prstGeom>
+          <a:noFill/>
+        </p:spPr>
+        <p:txBody>
+          <a:bodyPr wrap="square">
+            <a:spAutoFit/>
+          </a:bodyPr>
+          <a:lstStyle/>
+          <a:p>
+            <a:pPr algn="l"/>
+            <a:r>
+              <a:rPr lang="en-US" dirty="0">
+                <a:solidFill>
+                  <a:srgbClr val="000000"/>
+                </a:solidFill>
+                <a:latin typeface="Calibri" panose="020F0502020204030204" pitchFamily="34" charset="0"/>
+              </a:rPr>
+              <a:t>Spelling Correction </a:t>
+            </a:r>
+          </a:p>
+          <a:p>
+            <a:pPr marL="285750" indent="-285750">
+              <a:buFont typeface="Arial" panose="020B0604020202020204" pitchFamily="34" charset="0"/>
+              <a:buChar char="•"/>
+            </a:pPr>
+            <a:r>
+              <a:rPr lang="en-GB" dirty="0">
+                <a:solidFill>
+                  <a:srgbClr val="000000"/>
+                </a:solidFill>
+                <a:latin typeface="Calibri" panose="020F0502020204030204" pitchFamily="34" charset="0"/>
+              </a:rPr>
+              <a:t>Reduces lexicon of words which must be identified.</a:t>
+            </a:r>
+          </a:p>
+          <a:p>
+            <a:pPr marL="285750" indent="-285750" algn="l">
+              <a:buFont typeface="Arial" panose="020B0604020202020204" pitchFamily="34" charset="0"/>
+              <a:buChar char="•"/>
+            </a:pPr>
+            <a:r>
+              <a:rPr lang="en-US" dirty="0">
+                <a:solidFill>
+                  <a:srgbClr val="000000"/>
+                </a:solidFill>
+                <a:latin typeface="Calibri" panose="020F0502020204030204" pitchFamily="34" charset="0"/>
+              </a:rPr>
+              <a:t>Words may be corrected to the wrong word.</a:t>
+            </a:r>
+          </a:p>
+          <a:p>
+            <a:pPr marL="285750" indent="-285750" algn="l">
+              <a:buFont typeface="Arial" panose="020B0604020202020204" pitchFamily="34" charset="0"/>
+              <a:buChar char="•"/>
+            </a:pPr>
+            <a:r>
+              <a:rPr lang="en-US" dirty="0">
+                <a:solidFill>
+                  <a:srgbClr val="000000"/>
+                </a:solidFill>
+                <a:latin typeface="Calibri" panose="020F0502020204030204" pitchFamily="34" charset="0"/>
+              </a:rPr>
+              <a:t>Slang and language changed too quickly. </a:t>
+            </a:r>
+          </a:p>
+          <a:p>
+            <a:pPr algn="l"/>
+            <a:endParaRPr lang="en-US" dirty="0">
+              <a:solidFill>
+                <a:srgbClr val="000000"/>
+              </a:solidFill>
+              <a:latin typeface="Calibri" panose="020F0502020204030204" pitchFamily="34" charset="0"/>
+            </a:endParaRPr>
+          </a:p>
+          <a:p>
+            <a:pPr algn="l"/>
+            <a:r>
+              <a:rPr lang="en-US" dirty="0">
+                <a:solidFill>
+                  <a:srgbClr val="000000"/>
+                </a:solidFill>
+                <a:latin typeface="Calibri" panose="020F0502020204030204" pitchFamily="34" charset="0"/>
+              </a:rPr>
+              <a:t>Suffix and Prefix Removal (or)</a:t>
+            </a:r>
+            <a:endParaRPr lang="en-GB" dirty="0">
+              <a:solidFill>
+                <a:srgbClr val="000000"/>
+              </a:solidFill>
+              <a:latin typeface="Calibri" panose="020F0502020204030204" pitchFamily="34" charset="0"/>
+            </a:endParaRPr>
+          </a:p>
+          <a:p>
+            <a:pPr algn="l"/>
+            <a:r>
+              <a:rPr lang="en-GB" dirty="0">
+                <a:solidFill>
+                  <a:srgbClr val="000000"/>
+                </a:solidFill>
+                <a:latin typeface="Calibri" panose="020F0502020204030204" pitchFamily="34" charset="0"/>
+              </a:rPr>
+              <a:t>Lemmatization </a:t>
+            </a:r>
+          </a:p>
+          <a:p>
+            <a:pPr marL="285750" indent="-285750" algn="l">
+              <a:buFont typeface="Arial" panose="020B0604020202020204" pitchFamily="34" charset="0"/>
+              <a:buChar char="•"/>
+            </a:pPr>
+            <a:r>
+              <a:rPr lang="en-GB" dirty="0">
+                <a:solidFill>
+                  <a:srgbClr val="000000"/>
+                </a:solidFill>
+                <a:latin typeface="Calibri" panose="020F0502020204030204" pitchFamily="34" charset="0"/>
+              </a:rPr>
+              <a:t>Reduces words to their root form.</a:t>
+            </a:r>
+          </a:p>
+          <a:p>
+            <a:pPr marL="285750" indent="-285750" algn="l">
+              <a:buFont typeface="Arial" panose="020B0604020202020204" pitchFamily="34" charset="0"/>
+              <a:buChar char="•"/>
+            </a:pPr>
+            <a:r>
+              <a:rPr lang="en-GB" dirty="0">
+                <a:solidFill>
+                  <a:srgbClr val="000000"/>
+                </a:solidFill>
+                <a:latin typeface="Calibri" panose="020F0502020204030204" pitchFamily="34" charset="0"/>
+              </a:rPr>
+              <a:t>Reduces lexicon of words which must be identified.</a:t>
+            </a:r>
+          </a:p>
+          <a:p>
+            <a:pPr algn="l"/>
+            <a:endParaRPr lang="en-GB" dirty="0">
+              <a:solidFill>
+                <a:srgbClr val="000000"/>
+              </a:solidFill>
+              <a:latin typeface="Calibri" panose="020F0502020204030204" pitchFamily="34" charset="0"/>
+            </a:endParaRPr>
+          </a:p>
+          <a:p>
+            <a:pPr algn="l"/>
+            <a:r>
+              <a:rPr lang="en-GB" dirty="0">
+                <a:solidFill>
+                  <a:srgbClr val="000000"/>
+                </a:solidFill>
+                <a:latin typeface="Calibri" panose="020F0502020204030204" pitchFamily="34" charset="0"/>
+              </a:rPr>
+              <a:t>Tokenization </a:t>
+            </a:r>
+          </a:p>
+          <a:p>
+            <a:pPr marL="285750" indent="-285750" algn="l">
+              <a:buFont typeface="Arial" panose="020B0604020202020204" pitchFamily="34" charset="0"/>
+              <a:buChar char="•"/>
+            </a:pPr>
+            <a:r>
+              <a:rPr lang="en-GB" dirty="0">
+                <a:solidFill>
+                  <a:srgbClr val="000000"/>
+                </a:solidFill>
+                <a:latin typeface="Calibri" panose="020F0502020204030204" pitchFamily="34" charset="0"/>
+              </a:rPr>
+              <a:t>Tweets can be analysed by which their contained words.</a:t>
+            </a:r>
+          </a:p>
+          <a:p>
+            <a:pPr marL="285750" indent="-285750" algn="l">
+              <a:buFont typeface="Arial" panose="020B0604020202020204" pitchFamily="34" charset="0"/>
+              <a:buChar char="•"/>
+            </a:pPr>
+            <a:r>
+              <a:rPr lang="en-GB" dirty="0">
+                <a:solidFill>
+                  <a:srgbClr val="000000"/>
+                </a:solidFill>
+                <a:latin typeface="Calibri" panose="020F0502020204030204" pitchFamily="34" charset="0"/>
+              </a:rPr>
+              <a:t>Loss: repetition of words and phrases is not considered.</a:t>
+            </a:r>
+          </a:p>
+          <a:p>
+            <a:pPr marL="285750" indent="-285750" algn="l">
+              <a:buFont typeface="Arial" panose="020B0604020202020204" pitchFamily="34" charset="0"/>
+              <a:buChar char="•"/>
+            </a:pPr>
+            <a:endParaRPr lang="en-GB" dirty="0">
+              <a:solidFill>
+                <a:srgbClr val="000000"/>
+              </a:solidFill>
+              <a:latin typeface="Calibri" panose="020F0502020204030204" pitchFamily="34" charset="0"/>
+            </a:endParaRPr>
+          </a:p>
+          <a:p>
+            <a:pPr algn="l"/>
+            <a:r>
+              <a:rPr lang="en-GB" dirty="0">
+                <a:solidFill>
+                  <a:srgbClr val="000000"/>
+                </a:solidFill>
+                <a:latin typeface="Calibri" panose="020F0502020204030204" pitchFamily="34" charset="0"/>
+              </a:rPr>
+              <a:t>Vectorisation </a:t>
+            </a:r>
+          </a:p>
+          <a:p>
+            <a:pPr marL="285750" indent="-285750" algn="l">
+              <a:buFont typeface="Arial" panose="020B0604020202020204" pitchFamily="34" charset="0"/>
+              <a:buChar char="•"/>
+            </a:pPr>
+            <a:r>
+              <a:rPr lang="en-GB" dirty="0">
+                <a:solidFill>
+                  <a:srgbClr val="000000"/>
+                </a:solidFill>
+                <a:latin typeface="Calibri" panose="020F0502020204030204" pitchFamily="34" charset="0"/>
+              </a:rPr>
+              <a:t>Each words gets its own vector.</a:t>
+            </a:r>
+          </a:p>
+          <a:p>
+            <a:pPr marL="285750" indent="-285750" algn="l">
+              <a:buFont typeface="Arial" panose="020B0604020202020204" pitchFamily="34" charset="0"/>
+              <a:buChar char="•"/>
+            </a:pPr>
+            <a:r>
+              <a:rPr lang="en-GB" dirty="0">
+                <a:solidFill>
+                  <a:srgbClr val="000000"/>
+                </a:solidFill>
+                <a:latin typeface="Calibri" panose="020F0502020204030204" pitchFamily="34" charset="0"/>
+              </a:rPr>
+              <a:t>A tweet is identified by adding together the vectors of its words.</a:t>
+            </a:r>
+          </a:p>
+          <a:p>
+            <a:pPr marL="285750" indent="-285750" algn="l">
+              <a:buFont typeface="Arial" panose="020B0604020202020204" pitchFamily="34" charset="0"/>
+              <a:buChar char="•"/>
+            </a:pPr>
+            <a:r>
+              <a:rPr lang="en-GB" dirty="0">
+                <a:solidFill>
+                  <a:srgbClr val="000000"/>
+                </a:solidFill>
+                <a:latin typeface="Calibri" panose="020F0502020204030204" pitchFamily="34" charset="0"/>
+              </a:rPr>
+              <a:t>Loss: adds extra noise and unnecessary dimensionality.</a:t>
+            </a:r>
+          </a:p>
+          <a:p>
+            <a:pPr marL="285750" indent="-285750" algn="l">
+              <a:buFont typeface="Arial" panose="020B0604020202020204" pitchFamily="34" charset="0"/>
+              <a:buChar char="•"/>
+            </a:pPr>
+            <a:r>
+              <a:rPr lang="en-GB" dirty="0">
+                <a:solidFill>
+                  <a:srgbClr val="000000"/>
+                </a:solidFill>
+                <a:latin typeface="Calibri" panose="020F0502020204030204" pitchFamily="34" charset="0"/>
+              </a:rPr>
+              <a:t>Loss: doesn’t work if word is not found in model.</a:t>
+            </a:r>
+            <a:endParaRPr lang="en-US" dirty="0">
+              <a:solidFill>
+                <a:srgbClr val="000000"/>
+              </a:solidFill>
+              <a:latin typeface="Calibri" panose="020F0502020204030204" pitchFamily="34" charset="0"/>
+            </a:endParaRPr>
+          </a:p>
+        </p:txBody>
+      </p:sp>
+    </p:spTree>
+    <p:extLst>
+      <p:ext uri="{BB962C8B-B14F-4D97-AF65-F5344CB8AC3E}">
+        <p14:creationId xmlns:p14="http://schemas.microsoft.com/office/powerpoint/2010/main" val="955082028"/>
+      </p:ext>
+    </p:extLst>
+  </p:cSld>
+  <p:clrMapOvr>
+    <a:masterClrMapping/>
+  </p:clrMapOvr>
+</p:sld>
+</file>
+
+<file path=ppt/slides/slide8.xml><?xml version="1.0" encoding="utf-8"?>
+<p:sld xmlns:a="http://schemas.openxmlformats.org/drawingml/2006/main" xmlns:r="http://schemas.openxmlformats.org/officeDocument/2006/relationships" xmlns:p="http://schemas.openxmlformats.org/presentationml/2006/main">
+  <p:cSld>
+    <p:spTree>
+      <p:nvGrpSpPr>
+        <p:cNvPr id="1" name=""/>
+        <p:cNvGrpSpPr/>
+        <p:nvPr/>
+      </p:nvGrpSpPr>
+      <p:grpSpPr>
+        <a:xfrm>
+          <a:off x="0" y="0"/>
+          <a:ext cx="0" cy="0"/>
+          <a:chOff x="0" y="0"/>
+          <a:chExt cx="0" cy="0"/>
+        </a:xfrm>
+      </p:grpSpPr>
+      <p:sp>
+        <p:nvSpPr>
+          <p:cNvPr id="6" name="Title 1">
+            <a:extLst>
+              <a:ext uri="{FF2B5EF4-FFF2-40B4-BE49-F238E27FC236}">
+                <a16:creationId xmlns:a16="http://schemas.microsoft.com/office/drawing/2014/main" id="{8DEBE404-8654-ABEC-F427-CB3B2BB758E7}"/>
+              </a:ext>
+            </a:extLst>
+          </p:cNvPr>
+          <p:cNvSpPr txBox="1">
+            <a:spLocks/>
+          </p:cNvSpPr>
+          <p:nvPr/>
+        </p:nvSpPr>
+        <p:spPr>
+          <a:xfrm rot="5400000">
+            <a:off x="5567492" y="-5567495"/>
+            <a:ext cx="1057013" cy="12192003"/>
+          </a:xfrm>
+          <a:prstGeom prst="rect">
+            <a:avLst/>
+          </a:prstGeom>
+          <a:solidFill>
+            <a:srgbClr val="3B3B3B"/>
+          </a:solidFill>
+        </p:spPr>
+        <p:txBody>
+          <a:bodyPr vert="vert270" lIns="91440" tIns="45720" rIns="91440" bIns="45720" rtlCol="0" anchor="t" anchorCtr="0">
+            <a:normAutofit fontScale="25000" lnSpcReduction="20000"/>
+          </a:bodyPr>
+          <a:lstStyle>
+            <a:lvl1pPr algn="l" defTabSz="914400" rtl="0" eaLnBrk="1" latinLnBrk="0" hangingPunct="1">
+              <a:lnSpc>
+                <a:spcPct val="90000"/>
+              </a:lnSpc>
+              <a:spcBef>
+                <a:spcPct val="0"/>
+              </a:spcBef>
+              <a:buNone/>
+              <a:defRPr sz="4400" kern="1200">
+                <a:solidFill>
+                  <a:schemeClr val="tx1"/>
+                </a:solidFill>
+                <a:latin typeface="+mj-lt"/>
+                <a:ea typeface="+mj-ea"/>
+                <a:cs typeface="+mj-cs"/>
+              </a:defRPr>
+            </a:lvl1pPr>
+          </a:lstStyle>
+          <a:p>
+            <a:br>
+              <a:rPr lang="en-US" dirty="0"/>
+            </a:br>
+            <a:br>
+              <a:rPr lang="en-US" dirty="0"/>
+            </a:br>
+            <a:br>
+              <a:rPr lang="en-US" dirty="0"/>
+            </a:br>
+            <a:r>
+              <a:rPr lang="en-US" dirty="0"/>
+              <a:t>	</a:t>
+            </a:r>
+            <a:r>
+              <a:rPr lang="en-US" sz="17600" dirty="0">
+                <a:solidFill>
+                  <a:srgbClr val="FF6600"/>
+                </a:solidFill>
+              </a:rPr>
+              <a:t>Extra Training Features</a:t>
+            </a:r>
+          </a:p>
+        </p:txBody>
+      </p:sp>
+      <p:sp>
+        <p:nvSpPr>
+          <p:cNvPr id="18" name="TextBox 17">
+            <a:extLst>
+              <a:ext uri="{FF2B5EF4-FFF2-40B4-BE49-F238E27FC236}">
+                <a16:creationId xmlns:a16="http://schemas.microsoft.com/office/drawing/2014/main" id="{D43A6381-B251-D59B-A4AF-878A320962A3}"/>
+              </a:ext>
+            </a:extLst>
+          </p:cNvPr>
+          <p:cNvSpPr txBox="1"/>
+          <p:nvPr/>
+        </p:nvSpPr>
+        <p:spPr>
+          <a:xfrm>
+            <a:off x="616434" y="1555318"/>
+            <a:ext cx="5293561" cy="4524315"/>
+          </a:xfrm>
+          <a:prstGeom prst="rect">
+            <a:avLst/>
+          </a:prstGeom>
+          <a:noFill/>
+        </p:spPr>
+        <p:txBody>
+          <a:bodyPr wrap="square">
+            <a:spAutoFit/>
+          </a:bodyPr>
+          <a:lstStyle/>
+          <a:p>
+            <a:pPr algn="l"/>
+            <a:r>
+              <a:rPr lang="en-GB" sz="1800" b="0" i="0" u="none" strike="noStrike" baseline="0" dirty="0">
+                <a:solidFill>
+                  <a:srgbClr val="000000"/>
+                </a:solidFill>
+                <a:latin typeface="Calibri" panose="020F0502020204030204" pitchFamily="34" charset="0"/>
+              </a:rPr>
+              <a:t>What factors are indicators of hate speech?</a:t>
+            </a:r>
+          </a:p>
+          <a:p>
+            <a:pPr marL="285750" indent="-285750">
+              <a:buFont typeface="Arial" panose="020B0604020202020204" pitchFamily="34" charset="0"/>
+              <a:buChar char="•"/>
+            </a:pPr>
+            <a:r>
+              <a:rPr lang="en-GB" dirty="0"/>
+              <a:t>Word count and avg. length: </a:t>
+            </a:r>
+          </a:p>
+          <a:p>
+            <a:pPr marL="742950" lvl="1" indent="-285750">
+              <a:buFont typeface="Arial" panose="020B0604020202020204" pitchFamily="34" charset="0"/>
+              <a:buChar char="•"/>
+            </a:pPr>
+            <a:r>
+              <a:rPr lang="en-GB" dirty="0"/>
+              <a:t>some speech patterns are indicative of anger.</a:t>
+            </a:r>
+          </a:p>
+          <a:p>
+            <a:pPr marL="285750" indent="-285750">
+              <a:buFont typeface="Arial" panose="020B0604020202020204" pitchFamily="34" charset="0"/>
+              <a:buChar char="•"/>
+            </a:pPr>
+            <a:r>
+              <a:rPr lang="en-GB" dirty="0"/>
+              <a:t>Hashtags:</a:t>
+            </a:r>
+          </a:p>
+          <a:p>
+            <a:pPr marL="742950" lvl="1" indent="-285750">
+              <a:buFont typeface="Arial" panose="020B0604020202020204" pitchFamily="34" charset="0"/>
+              <a:buChar char="•"/>
+            </a:pPr>
+            <a:r>
+              <a:rPr lang="en-GB" dirty="0"/>
+              <a:t>hashtags might be associated with hate speech.</a:t>
+            </a:r>
+          </a:p>
+          <a:p>
+            <a:pPr marL="285750" indent="-285750">
+              <a:buFont typeface="Arial" panose="020B0604020202020204" pitchFamily="34" charset="0"/>
+              <a:buChar char="•"/>
+            </a:pPr>
+            <a:r>
+              <a:rPr lang="en-GB" dirty="0"/>
+              <a:t>Exclamation marks: </a:t>
+            </a:r>
+          </a:p>
+          <a:p>
+            <a:pPr marL="742950" lvl="1" indent="-285750">
+              <a:buFont typeface="Arial" panose="020B0604020202020204" pitchFamily="34" charset="0"/>
+              <a:buChar char="•"/>
+            </a:pPr>
+            <a:r>
+              <a:rPr lang="en-GB" dirty="0"/>
+              <a:t>can be an indicator of rage.</a:t>
+            </a:r>
+          </a:p>
+          <a:p>
+            <a:pPr marL="285750" indent="-285750">
+              <a:buFont typeface="Arial" panose="020B0604020202020204" pitchFamily="34" charset="0"/>
+              <a:buChar char="•"/>
+            </a:pPr>
+            <a:r>
+              <a:rPr lang="en-GB" dirty="0"/>
+              <a:t>Question marks: </a:t>
+            </a:r>
+          </a:p>
+          <a:p>
+            <a:pPr marL="742950" lvl="1" indent="-285750">
+              <a:buFont typeface="Arial" panose="020B0604020202020204" pitchFamily="34" charset="0"/>
+              <a:buChar char="•"/>
+            </a:pPr>
+            <a:r>
+              <a:rPr lang="en-GB" dirty="0"/>
+              <a:t>people often use rhetorical questions to show anger.</a:t>
+            </a:r>
+          </a:p>
+          <a:p>
+            <a:pPr marL="285750" indent="-285750">
+              <a:buFont typeface="Arial" panose="020B0604020202020204" pitchFamily="34" charset="0"/>
+              <a:buChar char="•"/>
+            </a:pPr>
+            <a:r>
+              <a:rPr lang="en-GB" dirty="0"/>
+              <a:t>Uppercase usage: </a:t>
+            </a:r>
+          </a:p>
+          <a:p>
+            <a:pPr marL="742950" lvl="1" indent="-285750">
+              <a:buFont typeface="Arial" panose="020B0604020202020204" pitchFamily="34" charset="0"/>
+              <a:buChar char="•"/>
+            </a:pPr>
+            <a:r>
+              <a:rPr lang="en-GB" dirty="0"/>
+              <a:t>can be an indicator of anger.</a:t>
+            </a:r>
+          </a:p>
+          <a:p>
+            <a:pPr marL="285750" indent="-285750">
+              <a:buFont typeface="Arial" panose="020B0604020202020204" pitchFamily="34" charset="0"/>
+              <a:buChar char="•"/>
+            </a:pPr>
+            <a:r>
+              <a:rPr lang="en-GB" dirty="0"/>
+              <a:t>Sentiment: </a:t>
+            </a:r>
+          </a:p>
+          <a:p>
+            <a:pPr marL="742950" lvl="1" indent="-285750">
+              <a:buFont typeface="Arial" panose="020B0604020202020204" pitchFamily="34" charset="0"/>
+              <a:buChar char="•"/>
+            </a:pPr>
+            <a:r>
+              <a:rPr lang="en-GB" dirty="0"/>
+              <a:t>there might be a link between use of negative words and hate speech.</a:t>
+            </a:r>
+          </a:p>
+        </p:txBody>
+      </p:sp>
+      <p:pic>
+        <p:nvPicPr>
+          <p:cNvPr id="5" name="Picture 4">
+            <a:extLst>
+              <a:ext uri="{FF2B5EF4-FFF2-40B4-BE49-F238E27FC236}">
+                <a16:creationId xmlns:a16="http://schemas.microsoft.com/office/drawing/2014/main" id="{C1A53807-3FD1-68F9-D5C7-D6FDF9808303}"/>
+              </a:ext>
+            </a:extLst>
+          </p:cNvPr>
+          <p:cNvPicPr>
+            <a:picLocks noChangeAspect="1"/>
+          </p:cNvPicPr>
+          <p:nvPr/>
+        </p:nvPicPr>
+        <p:blipFill>
+          <a:blip r:embed="rId2"/>
+          <a:stretch>
+            <a:fillRect/>
+          </a:stretch>
+        </p:blipFill>
+        <p:spPr>
+          <a:xfrm>
+            <a:off x="7925575" y="1555318"/>
+            <a:ext cx="4054259" cy="2504953"/>
+          </a:xfrm>
+          <a:prstGeom prst="rect">
+            <a:avLst/>
+          </a:prstGeom>
+        </p:spPr>
+      </p:pic>
+      <p:pic>
+        <p:nvPicPr>
+          <p:cNvPr id="8" name="Picture 7">
+            <a:extLst>
+              <a:ext uri="{FF2B5EF4-FFF2-40B4-BE49-F238E27FC236}">
+                <a16:creationId xmlns:a16="http://schemas.microsoft.com/office/drawing/2014/main" id="{981F999C-94D3-66E9-A93A-4AC8FF49C25C}"/>
+              </a:ext>
+            </a:extLst>
+          </p:cNvPr>
+          <p:cNvPicPr>
+            <a:picLocks noChangeAspect="1"/>
+          </p:cNvPicPr>
+          <p:nvPr/>
+        </p:nvPicPr>
+        <p:blipFill>
+          <a:blip r:embed="rId3"/>
+          <a:stretch>
+            <a:fillRect/>
+          </a:stretch>
+        </p:blipFill>
+        <p:spPr>
+          <a:xfrm>
+            <a:off x="6282007" y="4405601"/>
+            <a:ext cx="5697827" cy="1985607"/>
+          </a:xfrm>
+          <a:prstGeom prst="rect">
+            <a:avLst/>
+          </a:prstGeom>
+        </p:spPr>
+      </p:pic>
+    </p:spTree>
+    <p:extLst>
+      <p:ext uri="{BB962C8B-B14F-4D97-AF65-F5344CB8AC3E}">
+        <p14:creationId xmlns:p14="http://schemas.microsoft.com/office/powerpoint/2010/main" val="2840850532"/>
+      </p:ext>
+    </p:extLst>
+  </p:cSld>
+  <p:clrMapOvr>
+    <a:masterClrMapping/>
+  </p:clrMapOvr>
+</p:sld>
+</file>
+
+<file path=ppt/slides/slide9.xml><?xml version="1.0" encoding="utf-8"?>
+<p:sld xmlns:a="http://schemas.openxmlformats.org/drawingml/2006/main" xmlns:r="http://schemas.openxmlformats.org/officeDocument/2006/relationships" xmlns:p="http://schemas.openxmlformats.org/presentationml/2006/main">
+  <p:cSld>
+    <p:spTree>
+      <p:nvGrpSpPr>
+        <p:cNvPr id="1" name=""/>
+        <p:cNvGrpSpPr/>
+        <p:nvPr/>
+      </p:nvGrpSpPr>
+      <p:grpSpPr>
+        <a:xfrm>
+          <a:off x="0" y="0"/>
+          <a:ext cx="0" cy="0"/>
+          <a:chOff x="0" y="0"/>
+          <a:chExt cx="0" cy="0"/>
+        </a:xfrm>
+      </p:grpSpPr>
+      <p:sp>
+        <p:nvSpPr>
+          <p:cNvPr id="6" name="Title 1">
+            <a:extLst>
+              <a:ext uri="{FF2B5EF4-FFF2-40B4-BE49-F238E27FC236}">
+                <a16:creationId xmlns:a16="http://schemas.microsoft.com/office/drawing/2014/main" id="{8DEBE404-8654-ABEC-F427-CB3B2BB758E7}"/>
+              </a:ext>
+            </a:extLst>
+          </p:cNvPr>
+          <p:cNvSpPr txBox="1">
+            <a:spLocks/>
+          </p:cNvSpPr>
+          <p:nvPr/>
+        </p:nvSpPr>
+        <p:spPr>
+          <a:xfrm rot="5400000">
+            <a:off x="5567492" y="-5567495"/>
+            <a:ext cx="1057013" cy="12192003"/>
+          </a:xfrm>
+          <a:prstGeom prst="rect">
+            <a:avLst/>
+          </a:prstGeom>
+          <a:solidFill>
+            <a:srgbClr val="3B3B3B"/>
+          </a:solidFill>
+        </p:spPr>
+        <p:txBody>
+          <a:bodyPr vert="vert270" lIns="91440" tIns="45720" rIns="91440" bIns="45720" rtlCol="0" anchor="t" anchorCtr="0">
+            <a:normAutofit fontScale="25000" lnSpcReduction="20000"/>
+          </a:bodyPr>
+          <a:lstStyle>
+            <a:lvl1pPr algn="l" defTabSz="914400" rtl="0" eaLnBrk="1" latinLnBrk="0" hangingPunct="1">
+              <a:lnSpc>
+                <a:spcPct val="90000"/>
+              </a:lnSpc>
+              <a:spcBef>
+                <a:spcPct val="0"/>
+              </a:spcBef>
+              <a:buNone/>
+              <a:defRPr sz="4400" kern="1200">
+                <a:solidFill>
+                  <a:schemeClr val="tx1"/>
+                </a:solidFill>
+                <a:latin typeface="+mj-lt"/>
+                <a:ea typeface="+mj-ea"/>
+                <a:cs typeface="+mj-cs"/>
+              </a:defRPr>
+            </a:lvl1pPr>
+          </a:lstStyle>
+          <a:p>
+            <a:br>
+              <a:rPr lang="en-US" dirty="0"/>
+            </a:br>
+            <a:br>
+              <a:rPr lang="en-US" dirty="0"/>
+            </a:br>
+            <a:br>
+              <a:rPr lang="en-US" dirty="0"/>
+            </a:br>
+            <a:r>
+              <a:rPr lang="en-US" dirty="0"/>
+              <a:t>	</a:t>
+            </a:r>
+            <a:r>
+              <a:rPr lang="en-US" sz="17600" dirty="0">
+                <a:solidFill>
+                  <a:srgbClr val="FF6600"/>
+                </a:solidFill>
+              </a:rPr>
+              <a:t>Extra Training Features</a:t>
+            </a:r>
+          </a:p>
+        </p:txBody>
+      </p:sp>
+      <p:pic>
+        <p:nvPicPr>
+          <p:cNvPr id="3" name="Picture 2">
+            <a:extLst>
+              <a:ext uri="{FF2B5EF4-FFF2-40B4-BE49-F238E27FC236}">
+                <a16:creationId xmlns:a16="http://schemas.microsoft.com/office/drawing/2014/main" id="{9C132439-628B-2198-EBED-F393A7327635}"/>
+              </a:ext>
+            </a:extLst>
+          </p:cNvPr>
+          <p:cNvPicPr>
+            <a:picLocks noChangeAspect="1"/>
+          </p:cNvPicPr>
+          <p:nvPr/>
+        </p:nvPicPr>
+        <p:blipFill>
+          <a:blip r:embed="rId2"/>
+          <a:stretch>
+            <a:fillRect/>
+          </a:stretch>
+        </p:blipFill>
+        <p:spPr>
+          <a:xfrm>
+            <a:off x="7986992" y="1259148"/>
+            <a:ext cx="3962422" cy="2953914"/>
+          </a:xfrm>
+          <a:prstGeom prst="rect">
+            <a:avLst/>
+          </a:prstGeom>
+        </p:spPr>
+      </p:pic>
+      <p:pic>
+        <p:nvPicPr>
+          <p:cNvPr id="5" name="Picture 4">
+            <a:extLst>
+              <a:ext uri="{FF2B5EF4-FFF2-40B4-BE49-F238E27FC236}">
+                <a16:creationId xmlns:a16="http://schemas.microsoft.com/office/drawing/2014/main" id="{086CEBE3-274F-E53A-86F8-97CD17E52F4C}"/>
+              </a:ext>
+            </a:extLst>
+          </p:cNvPr>
+          <p:cNvPicPr>
+            <a:picLocks noChangeAspect="1"/>
+          </p:cNvPicPr>
+          <p:nvPr/>
+        </p:nvPicPr>
+        <p:blipFill>
+          <a:blip r:embed="rId3"/>
+          <a:stretch>
+            <a:fillRect/>
+          </a:stretch>
+        </p:blipFill>
+        <p:spPr>
+          <a:xfrm>
+            <a:off x="242585" y="1279054"/>
+            <a:ext cx="3696715" cy="2839940"/>
+          </a:xfrm>
+          <a:prstGeom prst="rect">
+            <a:avLst/>
+          </a:prstGeom>
+        </p:spPr>
+      </p:pic>
+      <p:pic>
+        <p:nvPicPr>
+          <p:cNvPr id="8" name="Picture 7">
+            <a:extLst>
+              <a:ext uri="{FF2B5EF4-FFF2-40B4-BE49-F238E27FC236}">
+                <a16:creationId xmlns:a16="http://schemas.microsoft.com/office/drawing/2014/main" id="{58996F2E-AB0C-C5D2-0BB0-9FA2FC2801E7}"/>
+              </a:ext>
+            </a:extLst>
+          </p:cNvPr>
+          <p:cNvPicPr>
+            <a:picLocks noChangeAspect="1"/>
+          </p:cNvPicPr>
+          <p:nvPr/>
+        </p:nvPicPr>
+        <p:blipFill>
+          <a:blip r:embed="rId4"/>
+          <a:stretch>
+            <a:fillRect/>
+          </a:stretch>
+        </p:blipFill>
+        <p:spPr>
+          <a:xfrm>
+            <a:off x="4091280" y="3615655"/>
+            <a:ext cx="3743732" cy="2953915"/>
+          </a:xfrm>
+          <a:prstGeom prst="rect">
+            <a:avLst/>
+          </a:prstGeom>
+        </p:spPr>
+      </p:pic>
+    </p:spTree>
+    <p:extLst>
+      <p:ext uri="{BB962C8B-B14F-4D97-AF65-F5344CB8AC3E}">
+        <p14:creationId xmlns:p14="http://schemas.microsoft.com/office/powerpoint/2010/main" val="3418355930"/>
       </p:ext>
     </p:extLst>
   </p:cSld>
